--- a/Design Patterns.pptx
+++ b/Design Patterns.pptx
@@ -117,29 +117,28 @@
     <p:sldId id="315" r:id="rId111"/>
     <p:sldId id="316" r:id="rId112"/>
     <p:sldId id="385" r:id="rId113"/>
-    <p:sldId id="360" r:id="rId114"/>
-    <p:sldId id="332" r:id="rId115"/>
-    <p:sldId id="353" r:id="rId116"/>
-    <p:sldId id="308" r:id="rId117"/>
-    <p:sldId id="309" r:id="rId118"/>
-    <p:sldId id="310" r:id="rId119"/>
-    <p:sldId id="386" r:id="rId120"/>
-    <p:sldId id="348" r:id="rId121"/>
-    <p:sldId id="296" r:id="rId122"/>
-    <p:sldId id="297" r:id="rId123"/>
-    <p:sldId id="298" r:id="rId124"/>
-    <p:sldId id="387" r:id="rId125"/>
-    <p:sldId id="351" r:id="rId126"/>
-    <p:sldId id="302" r:id="rId127"/>
-    <p:sldId id="303" r:id="rId128"/>
-    <p:sldId id="304" r:id="rId129"/>
-    <p:sldId id="388" r:id="rId130"/>
-    <p:sldId id="345" r:id="rId131"/>
-    <p:sldId id="287" r:id="rId132"/>
-    <p:sldId id="288" r:id="rId133"/>
-    <p:sldId id="289" r:id="rId134"/>
-    <p:sldId id="389" r:id="rId135"/>
-    <p:sldId id="361" r:id="rId136"/>
+    <p:sldId id="390" r:id="rId114"/>
+    <p:sldId id="391" r:id="rId115"/>
+    <p:sldId id="392" r:id="rId116"/>
+    <p:sldId id="393" r:id="rId117"/>
+    <p:sldId id="394" r:id="rId118"/>
+    <p:sldId id="360" r:id="rId119"/>
+    <p:sldId id="332" r:id="rId120"/>
+    <p:sldId id="353" r:id="rId121"/>
+    <p:sldId id="308" r:id="rId122"/>
+    <p:sldId id="309" r:id="rId123"/>
+    <p:sldId id="310" r:id="rId124"/>
+    <p:sldId id="386" r:id="rId125"/>
+    <p:sldId id="348" r:id="rId126"/>
+    <p:sldId id="296" r:id="rId127"/>
+    <p:sldId id="297" r:id="rId128"/>
+    <p:sldId id="298" r:id="rId129"/>
+    <p:sldId id="387" r:id="rId130"/>
+    <p:sldId id="351" r:id="rId131"/>
+    <p:sldId id="302" r:id="rId132"/>
+    <p:sldId id="303" r:id="rId133"/>
+    <p:sldId id="304" r:id="rId134"/>
+    <p:sldId id="388" r:id="rId135"/>
   </p:sldIdLst>
   <p:sldSz cx="12192000" cy="6858000"/>
   <p:notesSz cx="6858000" cy="9144000"/>
@@ -395,7 +394,7 @@
           <a:p>
             <a:fld id="{1DC60B33-7839-4693-AEEF-A6592DF33692}" type="datetimeFigureOut">
               <a:rPr lang="en-US" smtClean="0"/>
-              <a:t>11/20/2024</a:t>
+              <a:t>1/29/2025</a:t>
             </a:fld>
             <a:endParaRPr lang="en-US"/>
           </a:p>
@@ -744,7 +743,7 @@
           <a:p>
             <a:fld id="{1DC60B33-7839-4693-AEEF-A6592DF33692}" type="datetimeFigureOut">
               <a:rPr lang="en-US" smtClean="0"/>
-              <a:t>11/20/2024</a:t>
+              <a:t>1/29/2025</a:t>
             </a:fld>
             <a:endParaRPr lang="en-US"/>
           </a:p>
@@ -1073,7 +1072,7 @@
           <a:p>
             <a:fld id="{1DC60B33-7839-4693-AEEF-A6592DF33692}" type="datetimeFigureOut">
               <a:rPr lang="en-US" smtClean="0"/>
-              <a:t>11/20/2024</a:t>
+              <a:t>1/29/2025</a:t>
             </a:fld>
             <a:endParaRPr lang="en-US"/>
           </a:p>
@@ -1309,7 +1308,7 @@
           <a:p>
             <a:fld id="{1DC60B33-7839-4693-AEEF-A6592DF33692}" type="datetimeFigureOut">
               <a:rPr lang="en-US" smtClean="0"/>
-              <a:t>11/20/2024</a:t>
+              <a:t>1/29/2025</a:t>
             </a:fld>
             <a:endParaRPr lang="en-US"/>
           </a:p>
@@ -1555,7 +1554,7 @@
           <a:p>
             <a:fld id="{1DC60B33-7839-4693-AEEF-A6592DF33692}" type="datetimeFigureOut">
               <a:rPr lang="en-US" smtClean="0"/>
-              <a:t>11/20/2024</a:t>
+              <a:t>1/29/2025</a:t>
             </a:fld>
             <a:endParaRPr lang="en-US"/>
           </a:p>
@@ -1813,7 +1812,7 @@
           <a:p>
             <a:fld id="{55DAE4B6-489B-4B4B-AE8A-A27769488260}" type="datetimeFigureOut">
               <a:rPr lang="en-NL" smtClean="0"/>
-              <a:t>11/20/2024</a:t>
+              <a:t>01/29/2025</a:t>
             </a:fld>
             <a:endParaRPr lang="en-NL"/>
           </a:p>
@@ -3152,7 +3151,7 @@
           <a:p>
             <a:fld id="{55DAE4B6-489B-4B4B-AE8A-A27769488260}" type="datetimeFigureOut">
               <a:rPr lang="en-NL" smtClean="0"/>
-              <a:t>11/20/2024</a:t>
+              <a:t>01/29/2025</a:t>
             </a:fld>
             <a:endParaRPr lang="en-NL"/>
           </a:p>
@@ -3464,7 +3463,7 @@
           <a:p>
             <a:fld id="{55DAE4B6-489B-4B4B-AE8A-A27769488260}" type="datetimeFigureOut">
               <a:rPr lang="en-NL" smtClean="0"/>
-              <a:t>11/20/2024</a:t>
+              <a:t>01/29/2025</a:t>
             </a:fld>
             <a:endParaRPr lang="en-NL"/>
           </a:p>
@@ -3768,7 +3767,7 @@
           <a:p>
             <a:fld id="{55DAE4B6-489B-4B4B-AE8A-A27769488260}" type="datetimeFigureOut">
               <a:rPr lang="en-NL" smtClean="0"/>
-              <a:t>11/20/2024</a:t>
+              <a:t>01/29/2025</a:t>
             </a:fld>
             <a:endParaRPr lang="en-NL"/>
           </a:p>
@@ -4652,7 +4651,7 @@
           <a:p>
             <a:fld id="{55DAE4B6-489B-4B4B-AE8A-A27769488260}" type="datetimeFigureOut">
               <a:rPr lang="en-NL" smtClean="0"/>
-              <a:t>11/20/2024</a:t>
+              <a:t>01/29/2025</a:t>
             </a:fld>
             <a:endParaRPr lang="en-NL"/>
           </a:p>
@@ -4830,7 +4829,7 @@
           <a:p>
             <a:fld id="{55DAE4B6-489B-4B4B-AE8A-A27769488260}" type="datetimeFigureOut">
               <a:rPr lang="en-NL" smtClean="0"/>
-              <a:t>11/20/2024</a:t>
+              <a:t>01/29/2025</a:t>
             </a:fld>
             <a:endParaRPr lang="en-NL"/>
           </a:p>
@@ -4979,7 +4978,7 @@
           <a:p>
             <a:fld id="{55DAE4B6-489B-4B4B-AE8A-A27769488260}" type="datetimeFigureOut">
               <a:rPr lang="en-NL" smtClean="0"/>
-              <a:t>11/20/2024</a:t>
+              <a:t>01/29/2025</a:t>
             </a:fld>
             <a:endParaRPr lang="en-NL"/>
           </a:p>
@@ -5328,7 +5327,7 @@
           <a:p>
             <a:fld id="{55DAE4B6-489B-4B4B-AE8A-A27769488260}" type="datetimeFigureOut">
               <a:rPr lang="en-NL" smtClean="0"/>
-              <a:t>11/20/2024</a:t>
+              <a:t>01/29/2025</a:t>
             </a:fld>
             <a:endParaRPr lang="en-NL"/>
           </a:p>
@@ -5657,7 +5656,7 @@
           <a:p>
             <a:fld id="{55DAE4B6-489B-4B4B-AE8A-A27769488260}" type="datetimeFigureOut">
               <a:rPr lang="en-NL" smtClean="0"/>
-              <a:t>11/20/2024</a:t>
+              <a:t>01/29/2025</a:t>
             </a:fld>
             <a:endParaRPr lang="en-NL"/>
           </a:p>
@@ -5893,7 +5892,7 @@
           <a:p>
             <a:fld id="{55DAE4B6-489B-4B4B-AE8A-A27769488260}" type="datetimeFigureOut">
               <a:rPr lang="en-NL" smtClean="0"/>
-              <a:t>11/20/2024</a:t>
+              <a:t>01/29/2025</a:t>
             </a:fld>
             <a:endParaRPr lang="en-NL"/>
           </a:p>
@@ -6139,7 +6138,7 @@
           <a:p>
             <a:fld id="{55DAE4B6-489B-4B4B-AE8A-A27769488260}" type="datetimeFigureOut">
               <a:rPr lang="en-NL" smtClean="0"/>
-              <a:t>11/20/2024</a:t>
+              <a:t>01/29/2025</a:t>
             </a:fld>
             <a:endParaRPr lang="en-NL"/>
           </a:p>
@@ -6397,7 +6396,7 @@
           <a:p>
             <a:fld id="{55DAE4B6-489B-4B4B-AE8A-A27769488260}" type="datetimeFigureOut">
               <a:rPr lang="en-NL" smtClean="0"/>
-              <a:t>11/20/2024</a:t>
+              <a:t>01/29/2025</a:t>
             </a:fld>
             <a:endParaRPr lang="en-NL"/>
           </a:p>
@@ -8406,7 +8405,7 @@
           <a:p>
             <a:fld id="{55DAE4B6-489B-4B4B-AE8A-A27769488260}" type="datetimeFigureOut">
               <a:rPr lang="en-NL" smtClean="0"/>
-              <a:t>11/20/2024</a:t>
+              <a:t>01/29/2025</a:t>
             </a:fld>
             <a:endParaRPr lang="en-NL"/>
           </a:p>
@@ -8716,7 +8715,7 @@
           <a:p>
             <a:fld id="{55DAE4B6-489B-4B4B-AE8A-A27769488260}" type="datetimeFigureOut">
               <a:rPr lang="en-NL" smtClean="0"/>
-              <a:t>11/20/2024</a:t>
+              <a:t>01/29/2025</a:t>
             </a:fld>
             <a:endParaRPr lang="en-NL"/>
           </a:p>
@@ -9020,7 +9019,7 @@
           <a:p>
             <a:fld id="{55DAE4B6-489B-4B4B-AE8A-A27769488260}" type="datetimeFigureOut">
               <a:rPr lang="en-NL" smtClean="0"/>
-              <a:t>11/20/2024</a:t>
+              <a:t>01/29/2025</a:t>
             </a:fld>
             <a:endParaRPr lang="en-NL"/>
           </a:p>
@@ -9471,7 +9470,7 @@
           <a:p>
             <a:fld id="{55DAE4B6-489B-4B4B-AE8A-A27769488260}" type="datetimeFigureOut">
               <a:rPr lang="en-NL" smtClean="0"/>
-              <a:t>11/20/2024</a:t>
+              <a:t>01/29/2025</a:t>
             </a:fld>
             <a:endParaRPr lang="en-NL"/>
           </a:p>
@@ -9649,7 +9648,7 @@
           <a:p>
             <a:fld id="{55DAE4B6-489B-4B4B-AE8A-A27769488260}" type="datetimeFigureOut">
               <a:rPr lang="en-NL" smtClean="0"/>
-              <a:t>11/20/2024</a:t>
+              <a:t>01/29/2025</a:t>
             </a:fld>
             <a:endParaRPr lang="en-NL"/>
           </a:p>
@@ -9798,7 +9797,7 @@
           <a:p>
             <a:fld id="{55DAE4B6-489B-4B4B-AE8A-A27769488260}" type="datetimeFigureOut">
               <a:rPr lang="en-NL" smtClean="0"/>
-              <a:t>11/20/2024</a:t>
+              <a:t>01/29/2025</a:t>
             </a:fld>
             <a:endParaRPr lang="en-NL"/>
           </a:p>
@@ -10147,7 +10146,7 @@
           <a:p>
             <a:fld id="{55DAE4B6-489B-4B4B-AE8A-A27769488260}" type="datetimeFigureOut">
               <a:rPr lang="en-NL" smtClean="0"/>
-              <a:t>11/20/2024</a:t>
+              <a:t>01/29/2025</a:t>
             </a:fld>
             <a:endParaRPr lang="en-NL"/>
           </a:p>
@@ -10476,7 +10475,7 @@
           <a:p>
             <a:fld id="{55DAE4B6-489B-4B4B-AE8A-A27769488260}" type="datetimeFigureOut">
               <a:rPr lang="en-NL" smtClean="0"/>
-              <a:t>11/20/2024</a:t>
+              <a:t>01/29/2025</a:t>
             </a:fld>
             <a:endParaRPr lang="en-NL"/>
           </a:p>
@@ -10712,7 +10711,7 @@
           <a:p>
             <a:fld id="{55DAE4B6-489B-4B4B-AE8A-A27769488260}" type="datetimeFigureOut">
               <a:rPr lang="en-NL" smtClean="0"/>
-              <a:t>11/20/2024</a:t>
+              <a:t>01/29/2025</a:t>
             </a:fld>
             <a:endParaRPr lang="en-NL"/>
           </a:p>
@@ -10958,7 +10957,7 @@
           <a:p>
             <a:fld id="{55DAE4B6-489B-4B4B-AE8A-A27769488260}" type="datetimeFigureOut">
               <a:rPr lang="en-NL" smtClean="0"/>
-              <a:t>11/20/2024</a:t>
+              <a:t>01/29/2025</a:t>
             </a:fld>
             <a:endParaRPr lang="en-NL"/>
           </a:p>
@@ -11194,7 +11193,7 @@
           <a:p>
             <a:fld id="{1DC60B33-7839-4693-AEEF-A6592DF33692}" type="datetimeFigureOut">
               <a:rPr lang="en-US" smtClean="0"/>
-              <a:t>11/20/2024</a:t>
+              <a:t>1/29/2025</a:t>
             </a:fld>
             <a:endParaRPr lang="en-US"/>
           </a:p>
@@ -11506,7 +11505,7 @@
           <a:p>
             <a:fld id="{1DC60B33-7839-4693-AEEF-A6592DF33692}" type="datetimeFigureOut">
               <a:rPr lang="en-US" smtClean="0"/>
-              <a:t>11/20/2024</a:t>
+              <a:t>1/29/2025</a:t>
             </a:fld>
             <a:endParaRPr lang="en-US"/>
           </a:p>
@@ -11810,7 +11809,7 @@
           <a:p>
             <a:fld id="{1DC60B33-7839-4693-AEEF-A6592DF33692}" type="datetimeFigureOut">
               <a:rPr lang="en-US" smtClean="0"/>
-              <a:t>11/20/2024</a:t>
+              <a:t>1/29/2025</a:t>
             </a:fld>
             <a:endParaRPr lang="en-US"/>
           </a:p>
@@ -12261,7 +12260,7 @@
           <a:p>
             <a:fld id="{1DC60B33-7839-4693-AEEF-A6592DF33692}" type="datetimeFigureOut">
               <a:rPr lang="en-US" smtClean="0"/>
-              <a:t>11/20/2024</a:t>
+              <a:t>1/29/2025</a:t>
             </a:fld>
             <a:endParaRPr lang="en-US"/>
           </a:p>
@@ -12439,7 +12438,7 @@
           <a:p>
             <a:fld id="{1DC60B33-7839-4693-AEEF-A6592DF33692}" type="datetimeFigureOut">
               <a:rPr lang="en-US" smtClean="0"/>
-              <a:t>11/20/2024</a:t>
+              <a:t>1/29/2025</a:t>
             </a:fld>
             <a:endParaRPr lang="en-US"/>
           </a:p>
@@ -12588,7 +12587,7 @@
           <a:p>
             <a:fld id="{1DC60B33-7839-4693-AEEF-A6592DF33692}" type="datetimeFigureOut">
               <a:rPr lang="en-US" smtClean="0"/>
-              <a:t>11/20/2024</a:t>
+              <a:t>1/29/2025</a:t>
             </a:fld>
             <a:endParaRPr lang="en-US"/>
           </a:p>
@@ -12867,7 +12866,7 @@
           <a:p>
             <a:fld id="{1DC60B33-7839-4693-AEEF-A6592DF33692}" type="datetimeFigureOut">
               <a:rPr lang="en-US" smtClean="0"/>
-              <a:t>11/20/2024</a:t>
+              <a:t>1/29/2025</a:t>
             </a:fld>
             <a:endParaRPr lang="en-US"/>
           </a:p>
@@ -13478,7 +13477,7 @@
           <a:p>
             <a:fld id="{55DAE4B6-489B-4B4B-AE8A-A27769488260}" type="datetimeFigureOut">
               <a:rPr lang="en-NL" smtClean="0"/>
-              <a:t>11/20/2024</a:t>
+              <a:t>01/29/2025</a:t>
             </a:fld>
             <a:endParaRPr lang="en-NL"/>
           </a:p>
@@ -14127,7 +14126,7 @@
             <a:fld id="{55DAE4B6-489B-4B4B-AE8A-A27769488260}" type="datetimeFigureOut">
               <a:rPr lang="en-NL" smtClean="0"/>
               <a:pPr/>
-              <a:t>11/20/2024</a:t>
+              <a:t>01/29/2025</a:t>
             </a:fld>
             <a:endParaRPr lang="en-NL" dirty="0"/>
           </a:p>
@@ -16290,7 +16289,13 @@
   <p:cSld>
     <p:spTree>
       <p:nvGrpSpPr>
-        <p:cNvPr id="1" name=""/>
+        <p:cNvPr id="1" name="">
+          <a:extLst>
+            <a:ext uri="{FF2B5EF4-FFF2-40B4-BE49-F238E27FC236}">
+              <a16:creationId xmlns:a16="http://schemas.microsoft.com/office/drawing/2014/main" id="{56EAD249-7DE8-DE67-DDF9-DB59D3F1237A}"/>
+            </a:ext>
+          </a:extLst>
+        </p:cNvPr>
         <p:cNvGrpSpPr/>
         <p:nvPr/>
       </p:nvGrpSpPr>
@@ -16307,7 +16312,7 @@
           <p:cNvPr id="2" name="Title 1">
             <a:extLst>
               <a:ext uri="{FF2B5EF4-FFF2-40B4-BE49-F238E27FC236}">
-                <a16:creationId xmlns:a16="http://schemas.microsoft.com/office/drawing/2014/main" id="{085D1ED7-4F54-476A-7C33-A449EFB38ADE}"/>
+                <a16:creationId xmlns:a16="http://schemas.microsoft.com/office/drawing/2014/main" id="{B6F454C5-D48A-60A9-FD05-19B87853AB25}"/>
               </a:ext>
             </a:extLst>
           </p:cNvPr>
@@ -16325,40 +16330,103 @@
           <a:p>
             <a:r>
               <a:rPr lang="en-US" dirty="0"/>
-              <a:t>Exercise 6 &amp; 7</a:t>
-            </a:r>
-          </a:p>
-        </p:txBody>
-      </p:sp>
-      <p:sp>
-        <p:nvSpPr>
-          <p:cNvPr id="3" name="Content Placeholder 2">
-            <a:extLst>
-              <a:ext uri="{FF2B5EF4-FFF2-40B4-BE49-F238E27FC236}">
-                <a16:creationId xmlns:a16="http://schemas.microsoft.com/office/drawing/2014/main" id="{AC32606D-9116-9D8F-7CDB-27DA5943050B}"/>
-              </a:ext>
-            </a:extLst>
-          </p:cNvPr>
-          <p:cNvSpPr>
-            <a:spLocks noGrp="1"/>
-          </p:cNvSpPr>
+              <a:t>Flyweight</a:t>
+            </a:r>
+          </a:p>
+        </p:txBody>
+      </p:sp>
+      <p:sp>
+        <p:nvSpPr>
+          <p:cNvPr id="5" name="TextBox 4">
+            <a:extLst>
+              <a:ext uri="{FF2B5EF4-FFF2-40B4-BE49-F238E27FC236}">
+                <a16:creationId xmlns:a16="http://schemas.microsoft.com/office/drawing/2014/main" id="{1C7DA942-4FAE-88D5-E768-D49E4CC36658}"/>
+              </a:ext>
+            </a:extLst>
+          </p:cNvPr>
+          <p:cNvSpPr txBox="1"/>
+          <p:nvPr/>
+        </p:nvSpPr>
+        <p:spPr>
+          <a:xfrm>
+            <a:off x="4915949" y="6425967"/>
+            <a:ext cx="2632644" cy="369332"/>
+          </a:xfrm>
+          <a:prstGeom prst="rect">
+            <a:avLst/>
+          </a:prstGeom>
+          <a:noFill/>
+        </p:spPr>
+        <p:txBody>
+          <a:bodyPr wrap="none" rtlCol="0">
+            <a:spAutoFit/>
+          </a:bodyPr>
+          <a:lstStyle/>
+          <a:p>
+            <a:r>
+              <a:rPr lang="en-US" dirty="0">
+                <a:solidFill>
+                  <a:schemeClr val="bg1"/>
+                </a:solidFill>
+              </a:rPr>
+              <a:t>@https://refactoring.guru</a:t>
+            </a:r>
+          </a:p>
+        </p:txBody>
+      </p:sp>
+      <p:pic>
+        <p:nvPicPr>
+          <p:cNvPr id="12290" name="Picture 2">
+            <a:extLst>
+              <a:ext uri="{FF2B5EF4-FFF2-40B4-BE49-F238E27FC236}">
+                <a16:creationId xmlns:a16="http://schemas.microsoft.com/office/drawing/2014/main" id="{83B311CF-43FC-4B09-9158-229113F11E1F}"/>
+              </a:ext>
+            </a:extLst>
+          </p:cNvPr>
+          <p:cNvPicPr>
+            <a:picLocks noGrp="1" noChangeAspect="1" noChangeArrowheads="1"/>
+          </p:cNvPicPr>
           <p:nvPr>
             <p:ph idx="1"/>
           </p:nvPr>
-        </p:nvSpPr>
-        <p:spPr/>
-        <p:txBody>
-          <a:bodyPr/>
-          <a:lstStyle/>
-          <a:p>
-            <a:endParaRPr lang="en-US" dirty="0"/>
-          </a:p>
-        </p:txBody>
-      </p:sp>
+        </p:nvPicPr>
+        <p:blipFill>
+          <a:blip r:embed="rId2">
+            <a:extLst>
+              <a:ext uri="{28A0092B-C50C-407E-A947-70E740481C1C}">
+                <a14:useLocalDpi xmlns:a14="http://schemas.microsoft.com/office/drawing/2010/main" val="0"/>
+              </a:ext>
+            </a:extLst>
+          </a:blip>
+          <a:srcRect/>
+          <a:stretch>
+            <a:fillRect/>
+          </a:stretch>
+        </p:blipFill>
+        <p:spPr bwMode="auto">
+          <a:xfrm>
+            <a:off x="838200" y="1584566"/>
+            <a:ext cx="6096000" cy="3810000"/>
+          </a:xfrm>
+          <a:prstGeom prst="rect">
+            <a:avLst/>
+          </a:prstGeom>
+          <a:noFill/>
+          <a:extLst>
+            <a:ext uri="{909E8E84-426E-40DD-AFC4-6F175D3DCCD1}">
+              <a14:hiddenFill xmlns:a14="http://schemas.microsoft.com/office/drawing/2010/main">
+                <a:solidFill>
+                  <a:srgbClr val="FFFFFF"/>
+                </a:solidFill>
+              </a14:hiddenFill>
+            </a:ext>
+          </a:extLst>
+        </p:spPr>
+      </p:pic>
     </p:spTree>
     <p:extLst>
       <p:ext uri="{BB962C8B-B14F-4D97-AF65-F5344CB8AC3E}">
-        <p14:creationId xmlns:p14="http://schemas.microsoft.com/office/powerpoint/2010/main" val="2797715154"/>
+        <p14:creationId xmlns:p14="http://schemas.microsoft.com/office/powerpoint/2010/main" val="1806325017"/>
       </p:ext>
     </p:extLst>
   </p:cSld>
@@ -16369,6 +16437,483 @@
 </file>
 
 <file path=ppt/slides/slide112.xml><?xml version="1.0" encoding="utf-8"?>
+<p:sld xmlns:a="http://schemas.openxmlformats.org/drawingml/2006/main" xmlns:r="http://schemas.openxmlformats.org/officeDocument/2006/relationships" xmlns:p="http://schemas.openxmlformats.org/presentationml/2006/main">
+  <p:cSld>
+    <p:spTree>
+      <p:nvGrpSpPr>
+        <p:cNvPr id="1" name="">
+          <a:extLst>
+            <a:ext uri="{FF2B5EF4-FFF2-40B4-BE49-F238E27FC236}">
+              <a16:creationId xmlns:a16="http://schemas.microsoft.com/office/drawing/2014/main" id="{140029E2-25C7-3F54-6FF2-FA86D78AC5A5}"/>
+            </a:ext>
+          </a:extLst>
+        </p:cNvPr>
+        <p:cNvGrpSpPr/>
+        <p:nvPr/>
+      </p:nvGrpSpPr>
+      <p:grpSpPr>
+        <a:xfrm>
+          <a:off x="0" y="0"/>
+          <a:ext cx="0" cy="0"/>
+          <a:chOff x="0" y="0"/>
+          <a:chExt cx="0" cy="0"/>
+        </a:xfrm>
+      </p:grpSpPr>
+      <p:sp>
+        <p:nvSpPr>
+          <p:cNvPr id="2" name="Title 1">
+            <a:extLst>
+              <a:ext uri="{FF2B5EF4-FFF2-40B4-BE49-F238E27FC236}">
+                <a16:creationId xmlns:a16="http://schemas.microsoft.com/office/drawing/2014/main" id="{8AF3C4FF-4C90-7E07-C55B-93CFB86727D6}"/>
+              </a:ext>
+            </a:extLst>
+          </p:cNvPr>
+          <p:cNvSpPr>
+            <a:spLocks noGrp="1"/>
+          </p:cNvSpPr>
+          <p:nvPr>
+            <p:ph type="title"/>
+          </p:nvPr>
+        </p:nvSpPr>
+        <p:spPr/>
+        <p:txBody>
+          <a:bodyPr/>
+          <a:lstStyle/>
+          <a:p>
+            <a:r>
+              <a:rPr lang="en-US" dirty="0"/>
+              <a:t>Flyweight</a:t>
+            </a:r>
+          </a:p>
+        </p:txBody>
+      </p:sp>
+      <p:sp>
+        <p:nvSpPr>
+          <p:cNvPr id="3" name="Content Placeholder 2">
+            <a:extLst>
+              <a:ext uri="{FF2B5EF4-FFF2-40B4-BE49-F238E27FC236}">
+                <a16:creationId xmlns:a16="http://schemas.microsoft.com/office/drawing/2014/main" id="{58C893B4-6F65-E3A2-15E8-195224D8C861}"/>
+              </a:ext>
+            </a:extLst>
+          </p:cNvPr>
+          <p:cNvSpPr>
+            <a:spLocks noGrp="1"/>
+          </p:cNvSpPr>
+          <p:nvPr>
+            <p:ph idx="1"/>
+          </p:nvPr>
+        </p:nvSpPr>
+        <p:spPr/>
+        <p:txBody>
+          <a:bodyPr/>
+          <a:lstStyle/>
+          <a:p>
+            <a:pPr marL="0" indent="0">
+              <a:buNone/>
+            </a:pPr>
+            <a:r>
+              <a:rPr lang="en-US" dirty="0"/>
+              <a:t>Type: Structural Pattern</a:t>
+            </a:r>
+          </a:p>
+          <a:p>
+            <a:pPr marL="0" indent="0">
+              <a:buNone/>
+            </a:pPr>
+            <a:endParaRPr lang="en-US" dirty="0"/>
+          </a:p>
+          <a:p>
+            <a:pPr marL="0" indent="0">
+              <a:buNone/>
+            </a:pPr>
+            <a:r>
+              <a:rPr lang="en-US" dirty="0"/>
+              <a:t>Intent: Use sharing to support large numbers of fine-grained objects efficiently.</a:t>
+            </a:r>
+          </a:p>
+        </p:txBody>
+      </p:sp>
+    </p:spTree>
+    <p:extLst>
+      <p:ext uri="{BB962C8B-B14F-4D97-AF65-F5344CB8AC3E}">
+        <p14:creationId xmlns:p14="http://schemas.microsoft.com/office/powerpoint/2010/main" val="2665907025"/>
+      </p:ext>
+    </p:extLst>
+  </p:cSld>
+  <p:clrMapOvr>
+    <a:masterClrMapping/>
+  </p:clrMapOvr>
+</p:sld>
+</file>
+
+<file path=ppt/slides/slide113.xml><?xml version="1.0" encoding="utf-8"?>
+<p:sld xmlns:a="http://schemas.openxmlformats.org/drawingml/2006/main" xmlns:r="http://schemas.openxmlformats.org/officeDocument/2006/relationships" xmlns:p="http://schemas.openxmlformats.org/presentationml/2006/main">
+  <p:cSld>
+    <p:spTree>
+      <p:nvGrpSpPr>
+        <p:cNvPr id="1" name="">
+          <a:extLst>
+            <a:ext uri="{FF2B5EF4-FFF2-40B4-BE49-F238E27FC236}">
+              <a16:creationId xmlns:a16="http://schemas.microsoft.com/office/drawing/2014/main" id="{1F73EF38-D6B0-FF02-D8AA-B3C9EFB3CB59}"/>
+            </a:ext>
+          </a:extLst>
+        </p:cNvPr>
+        <p:cNvGrpSpPr/>
+        <p:nvPr/>
+      </p:nvGrpSpPr>
+      <p:grpSpPr>
+        <a:xfrm>
+          <a:off x="0" y="0"/>
+          <a:ext cx="0" cy="0"/>
+          <a:chOff x="0" y="0"/>
+          <a:chExt cx="0" cy="0"/>
+        </a:xfrm>
+      </p:grpSpPr>
+      <p:sp>
+        <p:nvSpPr>
+          <p:cNvPr id="2" name="Title 1">
+            <a:extLst>
+              <a:ext uri="{FF2B5EF4-FFF2-40B4-BE49-F238E27FC236}">
+                <a16:creationId xmlns:a16="http://schemas.microsoft.com/office/drawing/2014/main" id="{F19D0AC4-B9FE-D70B-2E47-CBE1EEA63BF9}"/>
+              </a:ext>
+            </a:extLst>
+          </p:cNvPr>
+          <p:cNvSpPr>
+            <a:spLocks noGrp="1"/>
+          </p:cNvSpPr>
+          <p:nvPr>
+            <p:ph type="title"/>
+          </p:nvPr>
+        </p:nvSpPr>
+        <p:spPr/>
+        <p:txBody>
+          <a:bodyPr/>
+          <a:lstStyle/>
+          <a:p>
+            <a:r>
+              <a:rPr lang="en-US" dirty="0"/>
+              <a:t>Flyweight</a:t>
+            </a:r>
+          </a:p>
+        </p:txBody>
+      </p:sp>
+      <p:pic>
+        <p:nvPicPr>
+          <p:cNvPr id="1026" name="Picture 2">
+            <a:extLst>
+              <a:ext uri="{FF2B5EF4-FFF2-40B4-BE49-F238E27FC236}">
+                <a16:creationId xmlns:a16="http://schemas.microsoft.com/office/drawing/2014/main" id="{20EC1517-260D-F0E0-549E-3C2E37B0EF93}"/>
+              </a:ext>
+            </a:extLst>
+          </p:cNvPr>
+          <p:cNvPicPr>
+            <a:picLocks noGrp="1" noChangeAspect="1" noChangeArrowheads="1"/>
+          </p:cNvPicPr>
+          <p:nvPr>
+            <p:ph idx="1"/>
+          </p:nvPr>
+        </p:nvPicPr>
+        <p:blipFill>
+          <a:blip r:embed="rId2">
+            <a:extLst>
+              <a:ext uri="{28A0092B-C50C-407E-A947-70E740481C1C}">
+                <a14:useLocalDpi xmlns:a14="http://schemas.microsoft.com/office/drawing/2010/main" val="0"/>
+              </a:ext>
+            </a:extLst>
+          </a:blip>
+          <a:srcRect/>
+          <a:stretch>
+            <a:fillRect/>
+          </a:stretch>
+        </p:blipFill>
+        <p:spPr bwMode="auto">
+          <a:xfrm>
+            <a:off x="991727" y="1690688"/>
+            <a:ext cx="5930159" cy="3669841"/>
+          </a:xfrm>
+          <a:prstGeom prst="rect">
+            <a:avLst/>
+          </a:prstGeom>
+          <a:noFill/>
+          <a:extLst>
+            <a:ext uri="{909E8E84-426E-40DD-AFC4-6F175D3DCCD1}">
+              <a14:hiddenFill xmlns:a14="http://schemas.microsoft.com/office/drawing/2010/main">
+                <a:solidFill>
+                  <a:srgbClr val="FFFFFF"/>
+                </a:solidFill>
+              </a14:hiddenFill>
+            </a:ext>
+          </a:extLst>
+        </p:spPr>
+      </p:pic>
+    </p:spTree>
+    <p:extLst>
+      <p:ext uri="{BB962C8B-B14F-4D97-AF65-F5344CB8AC3E}">
+        <p14:creationId xmlns:p14="http://schemas.microsoft.com/office/powerpoint/2010/main" val="550960854"/>
+      </p:ext>
+    </p:extLst>
+  </p:cSld>
+  <p:clrMapOvr>
+    <a:masterClrMapping/>
+  </p:clrMapOvr>
+</p:sld>
+</file>
+
+<file path=ppt/slides/slide114.xml><?xml version="1.0" encoding="utf-8"?>
+<p:sld xmlns:a="http://schemas.openxmlformats.org/drawingml/2006/main" xmlns:r="http://schemas.openxmlformats.org/officeDocument/2006/relationships" xmlns:p="http://schemas.openxmlformats.org/presentationml/2006/main">
+  <p:cSld>
+    <p:spTree>
+      <p:nvGrpSpPr>
+        <p:cNvPr id="1" name="">
+          <a:extLst>
+            <a:ext uri="{FF2B5EF4-FFF2-40B4-BE49-F238E27FC236}">
+              <a16:creationId xmlns:a16="http://schemas.microsoft.com/office/drawing/2014/main" id="{EAA44764-73D3-B0CE-A73F-38C0D6B63E11}"/>
+            </a:ext>
+          </a:extLst>
+        </p:cNvPr>
+        <p:cNvGrpSpPr/>
+        <p:nvPr/>
+      </p:nvGrpSpPr>
+      <p:grpSpPr>
+        <a:xfrm>
+          <a:off x="0" y="0"/>
+          <a:ext cx="0" cy="0"/>
+          <a:chOff x="0" y="0"/>
+          <a:chExt cx="0" cy="0"/>
+        </a:xfrm>
+      </p:grpSpPr>
+      <p:sp>
+        <p:nvSpPr>
+          <p:cNvPr id="2" name="Title 1">
+            <a:extLst>
+              <a:ext uri="{FF2B5EF4-FFF2-40B4-BE49-F238E27FC236}">
+                <a16:creationId xmlns:a16="http://schemas.microsoft.com/office/drawing/2014/main" id="{DE215DD6-64E5-71AE-8E63-06F631DA903D}"/>
+              </a:ext>
+            </a:extLst>
+          </p:cNvPr>
+          <p:cNvSpPr>
+            <a:spLocks noGrp="1"/>
+          </p:cNvSpPr>
+          <p:nvPr>
+            <p:ph type="title"/>
+          </p:nvPr>
+        </p:nvSpPr>
+        <p:spPr/>
+        <p:txBody>
+          <a:bodyPr/>
+          <a:lstStyle/>
+          <a:p>
+            <a:r>
+              <a:rPr lang="en-US" dirty="0"/>
+              <a:t>Flyweight</a:t>
+            </a:r>
+          </a:p>
+        </p:txBody>
+      </p:sp>
+      <p:sp>
+        <p:nvSpPr>
+          <p:cNvPr id="3" name="Content Placeholder 2">
+            <a:extLst>
+              <a:ext uri="{FF2B5EF4-FFF2-40B4-BE49-F238E27FC236}">
+                <a16:creationId xmlns:a16="http://schemas.microsoft.com/office/drawing/2014/main" id="{EE090575-0B2F-47DF-9527-2144340A28C4}"/>
+              </a:ext>
+            </a:extLst>
+          </p:cNvPr>
+          <p:cNvSpPr>
+            <a:spLocks noGrp="1"/>
+          </p:cNvSpPr>
+          <p:nvPr>
+            <p:ph idx="1"/>
+          </p:nvPr>
+        </p:nvSpPr>
+        <p:spPr/>
+        <p:txBody>
+          <a:bodyPr/>
+          <a:lstStyle/>
+          <a:p>
+            <a:r>
+              <a:rPr lang="en-US" dirty="0"/>
+              <a:t>Applications</a:t>
+            </a:r>
+          </a:p>
+          <a:p>
+            <a:pPr lvl="1"/>
+            <a:r>
+              <a:rPr lang="en-US" dirty="0"/>
+              <a:t>Use the Flyweight pattern only when your program must support a huge number of objects which barely fit into available RAM.</a:t>
+            </a:r>
+          </a:p>
+          <a:p>
+            <a:pPr lvl="1"/>
+            <a:r>
+              <a:rPr lang="en-US" dirty="0"/>
+              <a:t>Graphical Text Processing (characters)</a:t>
+            </a:r>
+          </a:p>
+          <a:p>
+            <a:pPr lvl="1"/>
+            <a:r>
+              <a:rPr lang="en-US" dirty="0"/>
+              <a:t>Games (surrounding elements)</a:t>
+            </a:r>
+          </a:p>
+          <a:p>
+            <a:pPr lvl="1"/>
+            <a:r>
+              <a:rPr lang="en-US" dirty="0"/>
+              <a:t>Caching</a:t>
+            </a:r>
+          </a:p>
+          <a:p>
+            <a:pPr lvl="1"/>
+            <a:r>
+              <a:rPr lang="en-US" dirty="0"/>
+              <a:t>Any reusing system where references doesn’t matter (atomic object does not change)</a:t>
+            </a:r>
+          </a:p>
+        </p:txBody>
+      </p:sp>
+    </p:spTree>
+    <p:extLst>
+      <p:ext uri="{BB962C8B-B14F-4D97-AF65-F5344CB8AC3E}">
+        <p14:creationId xmlns:p14="http://schemas.microsoft.com/office/powerpoint/2010/main" val="2410053517"/>
+      </p:ext>
+    </p:extLst>
+  </p:cSld>
+  <p:clrMapOvr>
+    <a:masterClrMapping/>
+  </p:clrMapOvr>
+</p:sld>
+</file>
+
+<file path=ppt/slides/slide115.xml><?xml version="1.0" encoding="utf-8"?>
+<p:sld xmlns:a="http://schemas.openxmlformats.org/drawingml/2006/main" xmlns:r="http://schemas.openxmlformats.org/officeDocument/2006/relationships" xmlns:p="http://schemas.openxmlformats.org/presentationml/2006/main">
+  <p:cSld>
+    <p:spTree>
+      <p:nvGrpSpPr>
+        <p:cNvPr id="1" name="">
+          <a:extLst>
+            <a:ext uri="{FF2B5EF4-FFF2-40B4-BE49-F238E27FC236}">
+              <a16:creationId xmlns:a16="http://schemas.microsoft.com/office/drawing/2014/main" id="{288F35DF-54F7-0241-B083-581D325B0E90}"/>
+            </a:ext>
+          </a:extLst>
+        </p:cNvPr>
+        <p:cNvGrpSpPr/>
+        <p:nvPr/>
+      </p:nvGrpSpPr>
+      <p:grpSpPr>
+        <a:xfrm>
+          <a:off x="0" y="0"/>
+          <a:ext cx="0" cy="0"/>
+          <a:chOff x="0" y="0"/>
+          <a:chExt cx="0" cy="0"/>
+        </a:xfrm>
+      </p:grpSpPr>
+      <p:sp>
+        <p:nvSpPr>
+          <p:cNvPr id="2" name="Title 1">
+            <a:extLst>
+              <a:ext uri="{FF2B5EF4-FFF2-40B4-BE49-F238E27FC236}">
+                <a16:creationId xmlns:a16="http://schemas.microsoft.com/office/drawing/2014/main" id="{5C21F722-517E-A093-2A71-AAFF637AFC0B}"/>
+              </a:ext>
+            </a:extLst>
+          </p:cNvPr>
+          <p:cNvSpPr>
+            <a:spLocks noGrp="1"/>
+          </p:cNvSpPr>
+          <p:nvPr>
+            <p:ph type="title"/>
+          </p:nvPr>
+        </p:nvSpPr>
+        <p:spPr/>
+        <p:txBody>
+          <a:bodyPr/>
+          <a:lstStyle/>
+          <a:p>
+            <a:r>
+              <a:rPr lang="en-US" dirty="0"/>
+              <a:t>Flyweight</a:t>
+            </a:r>
+          </a:p>
+        </p:txBody>
+      </p:sp>
+      <p:sp>
+        <p:nvSpPr>
+          <p:cNvPr id="3" name="Content Placeholder 2">
+            <a:extLst>
+              <a:ext uri="{FF2B5EF4-FFF2-40B4-BE49-F238E27FC236}">
+                <a16:creationId xmlns:a16="http://schemas.microsoft.com/office/drawing/2014/main" id="{5FA25D81-6E90-2662-DA13-C673F32367A5}"/>
+              </a:ext>
+            </a:extLst>
+          </p:cNvPr>
+          <p:cNvSpPr>
+            <a:spLocks noGrp="1"/>
+          </p:cNvSpPr>
+          <p:nvPr>
+            <p:ph idx="1"/>
+          </p:nvPr>
+        </p:nvSpPr>
+        <p:spPr/>
+        <p:txBody>
+          <a:bodyPr/>
+          <a:lstStyle/>
+          <a:p>
+            <a:r>
+              <a:rPr lang="en-US" dirty="0"/>
+              <a:t>Pros</a:t>
+            </a:r>
+          </a:p>
+          <a:p>
+            <a:pPr lvl="1"/>
+            <a:r>
+              <a:rPr lang="en-US" dirty="0"/>
+              <a:t> You can save lots of RAM, assuming your program has tons of similar objects.</a:t>
+            </a:r>
+          </a:p>
+          <a:p>
+            <a:pPr lvl="1"/>
+            <a:endParaRPr lang="en-US" dirty="0"/>
+          </a:p>
+          <a:p>
+            <a:r>
+              <a:rPr lang="en-US" dirty="0"/>
+              <a:t>Cons</a:t>
+            </a:r>
+          </a:p>
+          <a:p>
+            <a:pPr lvl="1"/>
+            <a:r>
+              <a:rPr lang="en-US" dirty="0"/>
+              <a:t>You might be trading RAM over CPU cycles when some of the context data needs to be recalculated each time somebody calls a flyweight method.</a:t>
+            </a:r>
+          </a:p>
+          <a:p>
+            <a:pPr lvl="1"/>
+            <a:r>
+              <a:rPr lang="en-US" dirty="0"/>
+              <a:t>The code becomes much more complicated. New team members will always be wondering why the state of an entity was separated in such a way.</a:t>
+            </a:r>
+          </a:p>
+          <a:p>
+            <a:pPr lvl="1"/>
+            <a:endParaRPr lang="en-US" dirty="0"/>
+          </a:p>
+        </p:txBody>
+      </p:sp>
+    </p:spTree>
+    <p:extLst>
+      <p:ext uri="{BB962C8B-B14F-4D97-AF65-F5344CB8AC3E}">
+        <p14:creationId xmlns:p14="http://schemas.microsoft.com/office/powerpoint/2010/main" val="3636463402"/>
+      </p:ext>
+    </p:extLst>
+  </p:cSld>
+  <p:clrMapOvr>
+    <a:masterClrMapping/>
+  </p:clrMapOvr>
+</p:sld>
+</file>
+
+<file path=ppt/slides/slide116.xml><?xml version="1.0" encoding="utf-8"?>
 <p:sld xmlns:a="http://schemas.openxmlformats.org/drawingml/2006/main" xmlns:r="http://schemas.openxmlformats.org/officeDocument/2006/relationships" xmlns:p="http://schemas.openxmlformats.org/presentationml/2006/main">
   <p:cSld>
     <p:spTree>
@@ -16390,6 +16935,89 @@
           <p:cNvPr id="2" name="Title 1">
             <a:extLst>
               <a:ext uri="{FF2B5EF4-FFF2-40B4-BE49-F238E27FC236}">
+                <a16:creationId xmlns:a16="http://schemas.microsoft.com/office/drawing/2014/main" id="{085D1ED7-4F54-476A-7C33-A449EFB38ADE}"/>
+              </a:ext>
+            </a:extLst>
+          </p:cNvPr>
+          <p:cNvSpPr>
+            <a:spLocks noGrp="1"/>
+          </p:cNvSpPr>
+          <p:nvPr>
+            <p:ph type="title"/>
+          </p:nvPr>
+        </p:nvSpPr>
+        <p:spPr/>
+        <p:txBody>
+          <a:bodyPr/>
+          <a:lstStyle/>
+          <a:p>
+            <a:r>
+              <a:rPr lang="en-US" dirty="0"/>
+              <a:t>Exercise 6 &amp; 7</a:t>
+            </a:r>
+          </a:p>
+        </p:txBody>
+      </p:sp>
+      <p:sp>
+        <p:nvSpPr>
+          <p:cNvPr id="3" name="Content Placeholder 2">
+            <a:extLst>
+              <a:ext uri="{FF2B5EF4-FFF2-40B4-BE49-F238E27FC236}">
+                <a16:creationId xmlns:a16="http://schemas.microsoft.com/office/drawing/2014/main" id="{AC32606D-9116-9D8F-7CDB-27DA5943050B}"/>
+              </a:ext>
+            </a:extLst>
+          </p:cNvPr>
+          <p:cNvSpPr>
+            <a:spLocks noGrp="1"/>
+          </p:cNvSpPr>
+          <p:nvPr>
+            <p:ph idx="1"/>
+          </p:nvPr>
+        </p:nvSpPr>
+        <p:spPr/>
+        <p:txBody>
+          <a:bodyPr/>
+          <a:lstStyle/>
+          <a:p>
+            <a:endParaRPr lang="en-US" dirty="0"/>
+          </a:p>
+        </p:txBody>
+      </p:sp>
+    </p:spTree>
+    <p:extLst>
+      <p:ext uri="{BB962C8B-B14F-4D97-AF65-F5344CB8AC3E}">
+        <p14:creationId xmlns:p14="http://schemas.microsoft.com/office/powerpoint/2010/main" val="2797715154"/>
+      </p:ext>
+    </p:extLst>
+  </p:cSld>
+  <p:clrMapOvr>
+    <a:masterClrMapping/>
+  </p:clrMapOvr>
+</p:sld>
+</file>
+
+<file path=ppt/slides/slide117.xml><?xml version="1.0" encoding="utf-8"?>
+<p:sld xmlns:a="http://schemas.openxmlformats.org/drawingml/2006/main" xmlns:r="http://schemas.openxmlformats.org/officeDocument/2006/relationships" xmlns:p="http://schemas.openxmlformats.org/presentationml/2006/main">
+  <p:cSld>
+    <p:spTree>
+      <p:nvGrpSpPr>
+        <p:cNvPr id="1" name=""/>
+        <p:cNvGrpSpPr/>
+        <p:nvPr/>
+      </p:nvGrpSpPr>
+      <p:grpSpPr>
+        <a:xfrm>
+          <a:off x="0" y="0"/>
+          <a:ext cx="0" cy="0"/>
+          <a:chOff x="0" y="0"/>
+          <a:chExt cx="0" cy="0"/>
+        </a:xfrm>
+      </p:grpSpPr>
+      <p:sp>
+        <p:nvSpPr>
+          <p:cNvPr id="2" name="Title 1">
+            <a:extLst>
+              <a:ext uri="{FF2B5EF4-FFF2-40B4-BE49-F238E27FC236}">
                 <a16:creationId xmlns:a16="http://schemas.microsoft.com/office/drawing/2014/main" id="{A20086CC-F84F-8E9D-5B06-FCD7E8D7C089}"/>
               </a:ext>
             </a:extLst>
@@ -16452,10 +17080,10 @@
             </a:r>
           </a:p>
           <a:p>
-            <a:r>
-              <a:rPr lang="en-US" dirty="0"/>
-              <a:t>Flyweight</a:t>
-            </a:r>
+            <a:pPr marL="0" indent="0">
+              <a:buNone/>
+            </a:pPr>
+            <a:endParaRPr lang="en-US" dirty="0"/>
           </a:p>
           <a:p>
             <a:endParaRPr lang="en-US" dirty="0"/>
@@ -16481,7 +17109,7 @@
 </p:sld>
 </file>
 
-<file path=ppt/slides/slide113.xml><?xml version="1.0" encoding="utf-8"?>
+<file path=ppt/slides/slide118.xml><?xml version="1.0" encoding="utf-8"?>
 <p:sld xmlns:a="http://schemas.openxmlformats.org/drawingml/2006/main" xmlns:r="http://schemas.openxmlformats.org/officeDocument/2006/relationships" xmlns:p="http://schemas.openxmlformats.org/presentationml/2006/main">
   <p:cSld>
     <p:spTree>
@@ -16627,7 +17255,7 @@
 </p:sld>
 </file>
 
-<file path=ppt/slides/slide114.xml><?xml version="1.0" encoding="utf-8"?>
+<file path=ppt/slides/slide119.xml><?xml version="1.0" encoding="utf-8"?>
 <p:sld xmlns:a="http://schemas.openxmlformats.org/drawingml/2006/main" xmlns:r="http://schemas.openxmlformats.org/officeDocument/2006/relationships" xmlns:p="http://schemas.openxmlformats.org/presentationml/2006/main">
   <p:cSld>
     <p:spTree>
@@ -16731,7 +17359,134 @@
 </p:sld>
 </file>
 
-<file path=ppt/slides/slide115.xml><?xml version="1.0" encoding="utf-8"?>
+<file path=ppt/slides/slide12.xml><?xml version="1.0" encoding="utf-8"?>
+<p:sld xmlns:a="http://schemas.openxmlformats.org/drawingml/2006/main" xmlns:r="http://schemas.openxmlformats.org/officeDocument/2006/relationships" xmlns:p="http://schemas.openxmlformats.org/presentationml/2006/main">
+  <p:cSld>
+    <p:spTree>
+      <p:nvGrpSpPr>
+        <p:cNvPr id="1" name="">
+          <a:extLst>
+            <a:ext uri="{FF2B5EF4-FFF2-40B4-BE49-F238E27FC236}">
+              <a16:creationId xmlns:a16="http://schemas.microsoft.com/office/drawing/2014/main" id="{8B1D35B5-5873-098B-A864-38B7127B03BE}"/>
+            </a:ext>
+          </a:extLst>
+        </p:cNvPr>
+        <p:cNvGrpSpPr/>
+        <p:nvPr/>
+      </p:nvGrpSpPr>
+      <p:grpSpPr>
+        <a:xfrm>
+          <a:off x="0" y="0"/>
+          <a:ext cx="0" cy="0"/>
+          <a:chOff x="0" y="0"/>
+          <a:chExt cx="0" cy="0"/>
+        </a:xfrm>
+      </p:grpSpPr>
+      <p:sp>
+        <p:nvSpPr>
+          <p:cNvPr id="2" name="Title 1">
+            <a:extLst>
+              <a:ext uri="{FF2B5EF4-FFF2-40B4-BE49-F238E27FC236}">
+                <a16:creationId xmlns:a16="http://schemas.microsoft.com/office/drawing/2014/main" id="{0C00CBBE-6955-DAED-6AC2-8FD4BA028823}"/>
+              </a:ext>
+            </a:extLst>
+          </p:cNvPr>
+          <p:cNvSpPr>
+            <a:spLocks noGrp="1"/>
+          </p:cNvSpPr>
+          <p:nvPr>
+            <p:ph type="title"/>
+          </p:nvPr>
+        </p:nvSpPr>
+        <p:spPr/>
+        <p:txBody>
+          <a:bodyPr/>
+          <a:lstStyle/>
+          <a:p>
+            <a:r>
+              <a:rPr lang="en-US" dirty="0"/>
+              <a:t>Iterator</a:t>
+            </a:r>
+          </a:p>
+        </p:txBody>
+      </p:sp>
+      <p:sp>
+        <p:nvSpPr>
+          <p:cNvPr id="3" name="Content Placeholder 2">
+            <a:extLst>
+              <a:ext uri="{FF2B5EF4-FFF2-40B4-BE49-F238E27FC236}">
+                <a16:creationId xmlns:a16="http://schemas.microsoft.com/office/drawing/2014/main" id="{A92AF74F-8971-FD06-0F1D-758142045FB8}"/>
+              </a:ext>
+            </a:extLst>
+          </p:cNvPr>
+          <p:cNvSpPr>
+            <a:spLocks noGrp="1"/>
+          </p:cNvSpPr>
+          <p:nvPr>
+            <p:ph idx="1"/>
+          </p:nvPr>
+        </p:nvSpPr>
+        <p:spPr/>
+        <p:txBody>
+          <a:bodyPr/>
+          <a:lstStyle/>
+          <a:p>
+            <a:r>
+              <a:rPr lang="en-US" dirty="0"/>
+              <a:t>Pros</a:t>
+            </a:r>
+          </a:p>
+          <a:p>
+            <a:pPr lvl="1"/>
+            <a:r>
+              <a:rPr lang="en-US" dirty="0"/>
+              <a:t> Single Responsibility Principle. </a:t>
+            </a:r>
+          </a:p>
+          <a:p>
+            <a:pPr lvl="2"/>
+            <a:r>
+              <a:rPr lang="en-US" dirty="0"/>
+              <a:t>You can clean up the client code and the collections by extracting bulky traversal algorithms into separate classes.</a:t>
+            </a:r>
+          </a:p>
+          <a:p>
+            <a:pPr lvl="1"/>
+            <a:r>
+              <a:rPr lang="en-US" dirty="0"/>
+              <a:t> Open/Closed Principle. </a:t>
+            </a:r>
+          </a:p>
+          <a:p>
+            <a:pPr lvl="2"/>
+            <a:r>
+              <a:rPr lang="en-US" dirty="0"/>
+              <a:t>You can implement new types of collections and iterators and pass them to existing code without breaking anything.</a:t>
+            </a:r>
+          </a:p>
+          <a:p>
+            <a:pPr lvl="2"/>
+            <a:r>
+              <a:rPr lang="en-US" dirty="0"/>
+              <a:t>You can iterate over the same collection in parallel because each iterator object contains its own iteration state.</a:t>
+            </a:r>
+          </a:p>
+        </p:txBody>
+      </p:sp>
+    </p:spTree>
+    <p:extLst>
+      <p:ext uri="{BB962C8B-B14F-4D97-AF65-F5344CB8AC3E}">
+        <p14:creationId xmlns:p14="http://schemas.microsoft.com/office/powerpoint/2010/main" val="492008640"/>
+      </p:ext>
+    </p:extLst>
+  </p:cSld>
+  <p:clrMapOvr>
+    <a:masterClrMapping/>
+  </p:clrMapOvr>
+</p:sld>
+</file>
+
+<file path=ppt/slides/slide120.xml><?xml version="1.0" encoding="utf-8"?>
 <p:sld xmlns:a="http://schemas.openxmlformats.org/drawingml/2006/main" xmlns:r="http://schemas.openxmlformats.org/officeDocument/2006/relationships" xmlns:p="http://schemas.openxmlformats.org/presentationml/2006/main">
   <p:cSld>
     <p:spTree>
@@ -16838,7 +17593,7 @@
 </p:sld>
 </file>
 
-<file path=ppt/slides/slide116.xml><?xml version="1.0" encoding="utf-8"?>
+<file path=ppt/slides/slide121.xml><?xml version="1.0" encoding="utf-8"?>
 <p:sld xmlns:a="http://schemas.openxmlformats.org/drawingml/2006/main" xmlns:r="http://schemas.openxmlformats.org/officeDocument/2006/relationships" xmlns:p="http://schemas.openxmlformats.org/presentationml/2006/main">
   <p:cSld>
     <p:spTree>
@@ -17027,7 +17782,7 @@
 </p:sld>
 </file>
 
-<file path=ppt/slides/slide117.xml><?xml version="1.0" encoding="utf-8"?>
+<file path=ppt/slides/slide122.xml><?xml version="1.0" encoding="utf-8"?>
 <p:sld xmlns:a="http://schemas.openxmlformats.org/drawingml/2006/main" xmlns:r="http://schemas.openxmlformats.org/officeDocument/2006/relationships" xmlns:p="http://schemas.openxmlformats.org/presentationml/2006/main">
   <p:cSld>
     <p:spTree>
@@ -17173,7 +17928,7 @@
 </p:sld>
 </file>
 
-<file path=ppt/slides/slide118.xml><?xml version="1.0" encoding="utf-8"?>
+<file path=ppt/slides/slide123.xml><?xml version="1.0" encoding="utf-8"?>
 <p:sld xmlns:a="http://schemas.openxmlformats.org/drawingml/2006/main" xmlns:r="http://schemas.openxmlformats.org/officeDocument/2006/relationships" xmlns:p="http://schemas.openxmlformats.org/presentationml/2006/main">
   <p:cSld>
     <p:spTree>
@@ -17319,7 +18074,7 @@
 </p:sld>
 </file>
 
-<file path=ppt/slides/slide119.xml><?xml version="1.0" encoding="utf-8"?>
+<file path=ppt/slides/slide124.xml><?xml version="1.0" encoding="utf-8"?>
 <p:sld xmlns:a="http://schemas.openxmlformats.org/drawingml/2006/main" xmlns:r="http://schemas.openxmlformats.org/officeDocument/2006/relationships" xmlns:p="http://schemas.openxmlformats.org/presentationml/2006/main">
   <p:cSld>
     <p:spTree>
@@ -17423,134 +18178,7 @@
 </p:sld>
 </file>
 
-<file path=ppt/slides/slide12.xml><?xml version="1.0" encoding="utf-8"?>
-<p:sld xmlns:a="http://schemas.openxmlformats.org/drawingml/2006/main" xmlns:r="http://schemas.openxmlformats.org/officeDocument/2006/relationships" xmlns:p="http://schemas.openxmlformats.org/presentationml/2006/main">
-  <p:cSld>
-    <p:spTree>
-      <p:nvGrpSpPr>
-        <p:cNvPr id="1" name="">
-          <a:extLst>
-            <a:ext uri="{FF2B5EF4-FFF2-40B4-BE49-F238E27FC236}">
-              <a16:creationId xmlns:a16="http://schemas.microsoft.com/office/drawing/2014/main" id="{8B1D35B5-5873-098B-A864-38B7127B03BE}"/>
-            </a:ext>
-          </a:extLst>
-        </p:cNvPr>
-        <p:cNvGrpSpPr/>
-        <p:nvPr/>
-      </p:nvGrpSpPr>
-      <p:grpSpPr>
-        <a:xfrm>
-          <a:off x="0" y="0"/>
-          <a:ext cx="0" cy="0"/>
-          <a:chOff x="0" y="0"/>
-          <a:chExt cx="0" cy="0"/>
-        </a:xfrm>
-      </p:grpSpPr>
-      <p:sp>
-        <p:nvSpPr>
-          <p:cNvPr id="2" name="Title 1">
-            <a:extLst>
-              <a:ext uri="{FF2B5EF4-FFF2-40B4-BE49-F238E27FC236}">
-                <a16:creationId xmlns:a16="http://schemas.microsoft.com/office/drawing/2014/main" id="{0C00CBBE-6955-DAED-6AC2-8FD4BA028823}"/>
-              </a:ext>
-            </a:extLst>
-          </p:cNvPr>
-          <p:cNvSpPr>
-            <a:spLocks noGrp="1"/>
-          </p:cNvSpPr>
-          <p:nvPr>
-            <p:ph type="title"/>
-          </p:nvPr>
-        </p:nvSpPr>
-        <p:spPr/>
-        <p:txBody>
-          <a:bodyPr/>
-          <a:lstStyle/>
-          <a:p>
-            <a:r>
-              <a:rPr lang="en-US" dirty="0"/>
-              <a:t>Iterator</a:t>
-            </a:r>
-          </a:p>
-        </p:txBody>
-      </p:sp>
-      <p:sp>
-        <p:nvSpPr>
-          <p:cNvPr id="3" name="Content Placeholder 2">
-            <a:extLst>
-              <a:ext uri="{FF2B5EF4-FFF2-40B4-BE49-F238E27FC236}">
-                <a16:creationId xmlns:a16="http://schemas.microsoft.com/office/drawing/2014/main" id="{A92AF74F-8971-FD06-0F1D-758142045FB8}"/>
-              </a:ext>
-            </a:extLst>
-          </p:cNvPr>
-          <p:cNvSpPr>
-            <a:spLocks noGrp="1"/>
-          </p:cNvSpPr>
-          <p:nvPr>
-            <p:ph idx="1"/>
-          </p:nvPr>
-        </p:nvSpPr>
-        <p:spPr/>
-        <p:txBody>
-          <a:bodyPr/>
-          <a:lstStyle/>
-          <a:p>
-            <a:r>
-              <a:rPr lang="en-US" dirty="0"/>
-              <a:t>Pros</a:t>
-            </a:r>
-          </a:p>
-          <a:p>
-            <a:pPr lvl="1"/>
-            <a:r>
-              <a:rPr lang="en-US" dirty="0"/>
-              <a:t> Single Responsibility Principle. </a:t>
-            </a:r>
-          </a:p>
-          <a:p>
-            <a:pPr lvl="2"/>
-            <a:r>
-              <a:rPr lang="en-US" dirty="0"/>
-              <a:t>You can clean up the client code and the collections by extracting bulky traversal algorithms into separate classes.</a:t>
-            </a:r>
-          </a:p>
-          <a:p>
-            <a:pPr lvl="1"/>
-            <a:r>
-              <a:rPr lang="en-US" dirty="0"/>
-              <a:t> Open/Closed Principle. </a:t>
-            </a:r>
-          </a:p>
-          <a:p>
-            <a:pPr lvl="2"/>
-            <a:r>
-              <a:rPr lang="en-US" dirty="0"/>
-              <a:t>You can implement new types of collections and iterators and pass them to existing code without breaking anything.</a:t>
-            </a:r>
-          </a:p>
-          <a:p>
-            <a:pPr lvl="2"/>
-            <a:r>
-              <a:rPr lang="en-US" dirty="0"/>
-              <a:t>You can iterate over the same collection in parallel because each iterator object contains its own iteration state.</a:t>
-            </a:r>
-          </a:p>
-        </p:txBody>
-      </p:sp>
-    </p:spTree>
-    <p:extLst>
-      <p:ext uri="{BB962C8B-B14F-4D97-AF65-F5344CB8AC3E}">
-        <p14:creationId xmlns:p14="http://schemas.microsoft.com/office/powerpoint/2010/main" val="492008640"/>
-      </p:ext>
-    </p:extLst>
-  </p:cSld>
-  <p:clrMapOvr>
-    <a:masterClrMapping/>
-  </p:clrMapOvr>
-</p:sld>
-</file>
-
-<file path=ppt/slides/slide120.xml><?xml version="1.0" encoding="utf-8"?>
+<file path=ppt/slides/slide125.xml><?xml version="1.0" encoding="utf-8"?>
 <p:sld xmlns:a="http://schemas.openxmlformats.org/drawingml/2006/main" xmlns:r="http://schemas.openxmlformats.org/officeDocument/2006/relationships" xmlns:p="http://schemas.openxmlformats.org/presentationml/2006/main">
   <p:cSld>
     <p:spTree>
@@ -17657,7 +18285,7 @@
 </p:sld>
 </file>
 
-<file path=ppt/slides/slide121.xml><?xml version="1.0" encoding="utf-8"?>
+<file path=ppt/slides/slide126.xml><?xml version="1.0" encoding="utf-8"?>
 <p:sld xmlns:a="http://schemas.openxmlformats.org/drawingml/2006/main" xmlns:r="http://schemas.openxmlformats.org/officeDocument/2006/relationships" xmlns:p="http://schemas.openxmlformats.org/presentationml/2006/main">
   <p:cSld>
     <p:spTree>
@@ -17781,7 +18409,7 @@
 </p:sld>
 </file>
 
-<file path=ppt/slides/slide122.xml><?xml version="1.0" encoding="utf-8"?>
+<file path=ppt/slides/slide127.xml><?xml version="1.0" encoding="utf-8"?>
 <p:sld xmlns:a="http://schemas.openxmlformats.org/drawingml/2006/main" xmlns:r="http://schemas.openxmlformats.org/officeDocument/2006/relationships" xmlns:p="http://schemas.openxmlformats.org/presentationml/2006/main">
   <p:cSld>
     <p:spTree>
@@ -17933,7 +18561,7 @@
 </p:sld>
 </file>
 
-<file path=ppt/slides/slide123.xml><?xml version="1.0" encoding="utf-8"?>
+<file path=ppt/slides/slide128.xml><?xml version="1.0" encoding="utf-8"?>
 <p:sld xmlns:a="http://schemas.openxmlformats.org/drawingml/2006/main" xmlns:r="http://schemas.openxmlformats.org/officeDocument/2006/relationships" xmlns:p="http://schemas.openxmlformats.org/presentationml/2006/main">
   <p:cSld>
     <p:spTree>
@@ -18079,7 +18707,7 @@
 </p:sld>
 </file>
 
-<file path=ppt/slides/slide124.xml><?xml version="1.0" encoding="utf-8"?>
+<file path=ppt/slides/slide129.xml><?xml version="1.0" encoding="utf-8"?>
 <p:sld xmlns:a="http://schemas.openxmlformats.org/drawingml/2006/main" xmlns:r="http://schemas.openxmlformats.org/officeDocument/2006/relationships" xmlns:p="http://schemas.openxmlformats.org/presentationml/2006/main">
   <p:cSld>
     <p:spTree>
@@ -18183,7 +18811,113 @@
 </p:sld>
 </file>
 
-<file path=ppt/slides/slide125.xml><?xml version="1.0" encoding="utf-8"?>
+<file path=ppt/slides/slide13.xml><?xml version="1.0" encoding="utf-8"?>
+<p:sld xmlns:a="http://schemas.openxmlformats.org/drawingml/2006/main" xmlns:r="http://schemas.openxmlformats.org/officeDocument/2006/relationships" xmlns:p="http://schemas.openxmlformats.org/presentationml/2006/main">
+  <p:cSld>
+    <p:spTree>
+      <p:nvGrpSpPr>
+        <p:cNvPr id="1" name="">
+          <a:extLst>
+            <a:ext uri="{FF2B5EF4-FFF2-40B4-BE49-F238E27FC236}">
+              <a16:creationId xmlns:a16="http://schemas.microsoft.com/office/drawing/2014/main" id="{4D920CC0-6DBE-F207-3978-6B98A7CEF3C2}"/>
+            </a:ext>
+          </a:extLst>
+        </p:cNvPr>
+        <p:cNvGrpSpPr/>
+        <p:nvPr/>
+      </p:nvGrpSpPr>
+      <p:grpSpPr>
+        <a:xfrm>
+          <a:off x="0" y="0"/>
+          <a:ext cx="0" cy="0"/>
+          <a:chOff x="0" y="0"/>
+          <a:chExt cx="0" cy="0"/>
+        </a:xfrm>
+      </p:grpSpPr>
+      <p:sp>
+        <p:nvSpPr>
+          <p:cNvPr id="2" name="Title 1">
+            <a:extLst>
+              <a:ext uri="{FF2B5EF4-FFF2-40B4-BE49-F238E27FC236}">
+                <a16:creationId xmlns:a16="http://schemas.microsoft.com/office/drawing/2014/main" id="{79B3FD1D-D0BC-574D-8093-8D004D72ADDF}"/>
+              </a:ext>
+            </a:extLst>
+          </p:cNvPr>
+          <p:cNvSpPr>
+            <a:spLocks noGrp="1"/>
+          </p:cNvSpPr>
+          <p:nvPr>
+            <p:ph type="title"/>
+          </p:nvPr>
+        </p:nvSpPr>
+        <p:spPr/>
+        <p:txBody>
+          <a:bodyPr/>
+          <a:lstStyle/>
+          <a:p>
+            <a:r>
+              <a:rPr lang="en-US" dirty="0"/>
+              <a:t>Iterator</a:t>
+            </a:r>
+          </a:p>
+        </p:txBody>
+      </p:sp>
+      <p:sp>
+        <p:nvSpPr>
+          <p:cNvPr id="3" name="Content Placeholder 2">
+            <a:extLst>
+              <a:ext uri="{FF2B5EF4-FFF2-40B4-BE49-F238E27FC236}">
+                <a16:creationId xmlns:a16="http://schemas.microsoft.com/office/drawing/2014/main" id="{D4C3EE0B-02D3-C2B7-8664-30A89BAF15FF}"/>
+              </a:ext>
+            </a:extLst>
+          </p:cNvPr>
+          <p:cNvSpPr>
+            <a:spLocks noGrp="1"/>
+          </p:cNvSpPr>
+          <p:nvPr>
+            <p:ph idx="1"/>
+          </p:nvPr>
+        </p:nvSpPr>
+        <p:spPr/>
+        <p:txBody>
+          <a:bodyPr/>
+          <a:lstStyle/>
+          <a:p>
+            <a:r>
+              <a:rPr lang="en-US" dirty="0"/>
+              <a:t>Cons</a:t>
+            </a:r>
+          </a:p>
+          <a:p>
+            <a:pPr lvl="1"/>
+            <a:r>
+              <a:rPr lang="en-US" dirty="0"/>
+              <a:t> Applying the pattern can be an overkill if your app only works with simple collections.</a:t>
+            </a:r>
+          </a:p>
+          <a:p>
+            <a:pPr lvl="1"/>
+            <a:r>
+              <a:rPr lang="en-US" dirty="0"/>
+              <a:t> Using an iterator may be less efficient than going through elements of some specialized collections directly.</a:t>
+            </a:r>
+          </a:p>
+        </p:txBody>
+      </p:sp>
+    </p:spTree>
+    <p:extLst>
+      <p:ext uri="{BB962C8B-B14F-4D97-AF65-F5344CB8AC3E}">
+        <p14:creationId xmlns:p14="http://schemas.microsoft.com/office/powerpoint/2010/main" val="2680173259"/>
+      </p:ext>
+    </p:extLst>
+  </p:cSld>
+  <p:clrMapOvr>
+    <a:masterClrMapping/>
+  </p:clrMapOvr>
+</p:sld>
+</file>
+
+<file path=ppt/slides/slide130.xml><?xml version="1.0" encoding="utf-8"?>
 <p:sld xmlns:a="http://schemas.openxmlformats.org/drawingml/2006/main" xmlns:r="http://schemas.openxmlformats.org/officeDocument/2006/relationships" xmlns:p="http://schemas.openxmlformats.org/presentationml/2006/main">
   <p:cSld>
     <p:spTree>
@@ -18290,7 +19024,7 @@
 </p:sld>
 </file>
 
-<file path=ppt/slides/slide126.xml><?xml version="1.0" encoding="utf-8"?>
+<file path=ppt/slides/slide131.xml><?xml version="1.0" encoding="utf-8"?>
 <p:sld xmlns:a="http://schemas.openxmlformats.org/drawingml/2006/main" xmlns:r="http://schemas.openxmlformats.org/officeDocument/2006/relationships" xmlns:p="http://schemas.openxmlformats.org/presentationml/2006/main">
   <p:cSld>
     <p:spTree>
@@ -18410,7 +19144,7 @@
 </p:sld>
 </file>
 
-<file path=ppt/slides/slide127.xml><?xml version="1.0" encoding="utf-8"?>
+<file path=ppt/slides/slide132.xml><?xml version="1.0" encoding="utf-8"?>
 <p:sld xmlns:a="http://schemas.openxmlformats.org/drawingml/2006/main" xmlns:r="http://schemas.openxmlformats.org/officeDocument/2006/relationships" xmlns:p="http://schemas.openxmlformats.org/presentationml/2006/main">
   <p:cSld>
     <p:spTree>
@@ -18533,800 +19267,6 @@
     <p:extLst>
       <p:ext uri="{BB962C8B-B14F-4D97-AF65-F5344CB8AC3E}">
         <p14:creationId xmlns:p14="http://schemas.microsoft.com/office/powerpoint/2010/main" val="2864295038"/>
-      </p:ext>
-    </p:extLst>
-  </p:cSld>
-  <p:clrMapOvr>
-    <a:masterClrMapping/>
-  </p:clrMapOvr>
-</p:sld>
-</file>
-
-<file path=ppt/slides/slide128.xml><?xml version="1.0" encoding="utf-8"?>
-<p:sld xmlns:a="http://schemas.openxmlformats.org/drawingml/2006/main" xmlns:r="http://schemas.openxmlformats.org/officeDocument/2006/relationships" xmlns:p="http://schemas.openxmlformats.org/presentationml/2006/main">
-  <p:cSld>
-    <p:spTree>
-      <p:nvGrpSpPr>
-        <p:cNvPr id="1" name=""/>
-        <p:cNvGrpSpPr/>
-        <p:nvPr/>
-      </p:nvGrpSpPr>
-      <p:grpSpPr>
-        <a:xfrm>
-          <a:off x="0" y="0"/>
-          <a:ext cx="0" cy="0"/>
-          <a:chOff x="0" y="0"/>
-          <a:chExt cx="0" cy="0"/>
-        </a:xfrm>
-      </p:grpSpPr>
-      <p:sp>
-        <p:nvSpPr>
-          <p:cNvPr id="2" name="Title 1">
-            <a:extLst>
-              <a:ext uri="{FF2B5EF4-FFF2-40B4-BE49-F238E27FC236}">
-                <a16:creationId xmlns:a16="http://schemas.microsoft.com/office/drawing/2014/main" id="{73225148-6841-7236-92CE-9069F7B575AD}"/>
-              </a:ext>
-            </a:extLst>
-          </p:cNvPr>
-          <p:cNvSpPr>
-            <a:spLocks noGrp="1"/>
-          </p:cNvSpPr>
-          <p:nvPr>
-            <p:ph type="title"/>
-          </p:nvPr>
-        </p:nvSpPr>
-        <p:spPr/>
-        <p:txBody>
-          <a:bodyPr/>
-          <a:lstStyle/>
-          <a:p>
-            <a:r>
-              <a:rPr lang="en-US" dirty="0"/>
-              <a:t>Flyweight</a:t>
-            </a:r>
-          </a:p>
-        </p:txBody>
-      </p:sp>
-      <p:sp>
-        <p:nvSpPr>
-          <p:cNvPr id="5" name="TextBox 4">
-            <a:extLst>
-              <a:ext uri="{FF2B5EF4-FFF2-40B4-BE49-F238E27FC236}">
-                <a16:creationId xmlns:a16="http://schemas.microsoft.com/office/drawing/2014/main" id="{B7B1DA5C-815E-A9B3-4E31-BDFC9EE00AAC}"/>
-              </a:ext>
-            </a:extLst>
-          </p:cNvPr>
-          <p:cNvSpPr txBox="1"/>
-          <p:nvPr/>
-        </p:nvSpPr>
-        <p:spPr>
-          <a:xfrm>
-            <a:off x="4915949" y="6425967"/>
-            <a:ext cx="2632644" cy="369332"/>
-          </a:xfrm>
-          <a:prstGeom prst="rect">
-            <a:avLst/>
-          </a:prstGeom>
-          <a:noFill/>
-        </p:spPr>
-        <p:txBody>
-          <a:bodyPr wrap="none" rtlCol="0">
-            <a:spAutoFit/>
-          </a:bodyPr>
-          <a:lstStyle/>
-          <a:p>
-            <a:r>
-              <a:rPr lang="en-US" dirty="0">
-                <a:solidFill>
-                  <a:schemeClr val="bg1"/>
-                </a:solidFill>
-              </a:rPr>
-              <a:t>@https://refactoring.guru</a:t>
-            </a:r>
-          </a:p>
-        </p:txBody>
-      </p:sp>
-      <p:pic>
-        <p:nvPicPr>
-          <p:cNvPr id="12290" name="Picture 2">
-            <a:extLst>
-              <a:ext uri="{FF2B5EF4-FFF2-40B4-BE49-F238E27FC236}">
-                <a16:creationId xmlns:a16="http://schemas.microsoft.com/office/drawing/2014/main" id="{FAE00106-561C-EFAE-C46C-68FEE1712028}"/>
-              </a:ext>
-            </a:extLst>
-          </p:cNvPr>
-          <p:cNvPicPr>
-            <a:picLocks noGrp="1" noChangeAspect="1" noChangeArrowheads="1"/>
-          </p:cNvPicPr>
-          <p:nvPr>
-            <p:ph idx="1"/>
-          </p:nvPr>
-        </p:nvPicPr>
-        <p:blipFill>
-          <a:blip r:embed="rId2">
-            <a:extLst>
-              <a:ext uri="{28A0092B-C50C-407E-A947-70E740481C1C}">
-                <a14:useLocalDpi xmlns:a14="http://schemas.microsoft.com/office/drawing/2010/main" val="0"/>
-              </a:ext>
-            </a:extLst>
-          </a:blip>
-          <a:srcRect/>
-          <a:stretch>
-            <a:fillRect/>
-          </a:stretch>
-        </p:blipFill>
-        <p:spPr bwMode="auto">
-          <a:xfrm>
-            <a:off x="838200" y="1584566"/>
-            <a:ext cx="6096000" cy="3810000"/>
-          </a:xfrm>
-          <a:prstGeom prst="rect">
-            <a:avLst/>
-          </a:prstGeom>
-          <a:noFill/>
-          <a:extLst>
-            <a:ext uri="{909E8E84-426E-40DD-AFC4-6F175D3DCCD1}">
-              <a14:hiddenFill xmlns:a14="http://schemas.microsoft.com/office/drawing/2010/main">
-                <a:solidFill>
-                  <a:srgbClr val="FFFFFF"/>
-                </a:solidFill>
-              </a14:hiddenFill>
-            </a:ext>
-          </a:extLst>
-        </p:spPr>
-      </p:pic>
-    </p:spTree>
-    <p:extLst>
-      <p:ext uri="{BB962C8B-B14F-4D97-AF65-F5344CB8AC3E}">
-        <p14:creationId xmlns:p14="http://schemas.microsoft.com/office/powerpoint/2010/main" val="3215808897"/>
-      </p:ext>
-    </p:extLst>
-  </p:cSld>
-  <p:clrMapOvr>
-    <a:masterClrMapping/>
-  </p:clrMapOvr>
-</p:sld>
-</file>
-
-<file path=ppt/slides/slide129.xml><?xml version="1.0" encoding="utf-8"?>
-<p:sld xmlns:a="http://schemas.openxmlformats.org/drawingml/2006/main" xmlns:r="http://schemas.openxmlformats.org/officeDocument/2006/relationships" xmlns:p="http://schemas.openxmlformats.org/presentationml/2006/main">
-  <p:cSld>
-    <p:spTree>
-      <p:nvGrpSpPr>
-        <p:cNvPr id="1" name=""/>
-        <p:cNvGrpSpPr/>
-        <p:nvPr/>
-      </p:nvGrpSpPr>
-      <p:grpSpPr>
-        <a:xfrm>
-          <a:off x="0" y="0"/>
-          <a:ext cx="0" cy="0"/>
-          <a:chOff x="0" y="0"/>
-          <a:chExt cx="0" cy="0"/>
-        </a:xfrm>
-      </p:grpSpPr>
-      <p:sp>
-        <p:nvSpPr>
-          <p:cNvPr id="2" name="Title 1">
-            <a:extLst>
-              <a:ext uri="{FF2B5EF4-FFF2-40B4-BE49-F238E27FC236}">
-                <a16:creationId xmlns:a16="http://schemas.microsoft.com/office/drawing/2014/main" id="{D403E865-5CBE-DD2C-9001-A52C2CEFED31}"/>
-              </a:ext>
-            </a:extLst>
-          </p:cNvPr>
-          <p:cNvSpPr>
-            <a:spLocks noGrp="1"/>
-          </p:cNvSpPr>
-          <p:nvPr>
-            <p:ph type="title"/>
-          </p:nvPr>
-        </p:nvSpPr>
-        <p:spPr/>
-        <p:txBody>
-          <a:bodyPr/>
-          <a:lstStyle/>
-          <a:p>
-            <a:r>
-              <a:rPr lang="en-US" dirty="0"/>
-              <a:t>Flyweight</a:t>
-            </a:r>
-          </a:p>
-        </p:txBody>
-      </p:sp>
-      <p:sp>
-        <p:nvSpPr>
-          <p:cNvPr id="3" name="Content Placeholder 2">
-            <a:extLst>
-              <a:ext uri="{FF2B5EF4-FFF2-40B4-BE49-F238E27FC236}">
-                <a16:creationId xmlns:a16="http://schemas.microsoft.com/office/drawing/2014/main" id="{330AD627-D092-8389-D9EA-BA51326FD722}"/>
-              </a:ext>
-            </a:extLst>
-          </p:cNvPr>
-          <p:cNvSpPr>
-            <a:spLocks noGrp="1"/>
-          </p:cNvSpPr>
-          <p:nvPr>
-            <p:ph idx="1"/>
-          </p:nvPr>
-        </p:nvSpPr>
-        <p:spPr/>
-        <p:txBody>
-          <a:bodyPr/>
-          <a:lstStyle/>
-          <a:p>
-            <a:pPr marL="0" indent="0">
-              <a:buNone/>
-            </a:pPr>
-            <a:r>
-              <a:rPr lang="en-US" dirty="0"/>
-              <a:t>Type: Structural Pattern</a:t>
-            </a:r>
-          </a:p>
-          <a:p>
-            <a:pPr marL="0" indent="0">
-              <a:buNone/>
-            </a:pPr>
-            <a:endParaRPr lang="en-US" dirty="0"/>
-          </a:p>
-          <a:p>
-            <a:pPr marL="0" indent="0">
-              <a:buNone/>
-            </a:pPr>
-            <a:r>
-              <a:rPr lang="en-US" dirty="0"/>
-              <a:t>Intent: Use sharing to support large numbers of fine-grained objects efficiently.</a:t>
-            </a:r>
-          </a:p>
-        </p:txBody>
-      </p:sp>
-    </p:spTree>
-    <p:extLst>
-      <p:ext uri="{BB962C8B-B14F-4D97-AF65-F5344CB8AC3E}">
-        <p14:creationId xmlns:p14="http://schemas.microsoft.com/office/powerpoint/2010/main" val="3770359764"/>
-      </p:ext>
-    </p:extLst>
-  </p:cSld>
-  <p:clrMapOvr>
-    <a:masterClrMapping/>
-  </p:clrMapOvr>
-</p:sld>
-</file>
-
-<file path=ppt/slides/slide13.xml><?xml version="1.0" encoding="utf-8"?>
-<p:sld xmlns:a="http://schemas.openxmlformats.org/drawingml/2006/main" xmlns:r="http://schemas.openxmlformats.org/officeDocument/2006/relationships" xmlns:p="http://schemas.openxmlformats.org/presentationml/2006/main">
-  <p:cSld>
-    <p:spTree>
-      <p:nvGrpSpPr>
-        <p:cNvPr id="1" name="">
-          <a:extLst>
-            <a:ext uri="{FF2B5EF4-FFF2-40B4-BE49-F238E27FC236}">
-              <a16:creationId xmlns:a16="http://schemas.microsoft.com/office/drawing/2014/main" id="{4D920CC0-6DBE-F207-3978-6B98A7CEF3C2}"/>
-            </a:ext>
-          </a:extLst>
-        </p:cNvPr>
-        <p:cNvGrpSpPr/>
-        <p:nvPr/>
-      </p:nvGrpSpPr>
-      <p:grpSpPr>
-        <a:xfrm>
-          <a:off x="0" y="0"/>
-          <a:ext cx="0" cy="0"/>
-          <a:chOff x="0" y="0"/>
-          <a:chExt cx="0" cy="0"/>
-        </a:xfrm>
-      </p:grpSpPr>
-      <p:sp>
-        <p:nvSpPr>
-          <p:cNvPr id="2" name="Title 1">
-            <a:extLst>
-              <a:ext uri="{FF2B5EF4-FFF2-40B4-BE49-F238E27FC236}">
-                <a16:creationId xmlns:a16="http://schemas.microsoft.com/office/drawing/2014/main" id="{79B3FD1D-D0BC-574D-8093-8D004D72ADDF}"/>
-              </a:ext>
-            </a:extLst>
-          </p:cNvPr>
-          <p:cNvSpPr>
-            <a:spLocks noGrp="1"/>
-          </p:cNvSpPr>
-          <p:nvPr>
-            <p:ph type="title"/>
-          </p:nvPr>
-        </p:nvSpPr>
-        <p:spPr/>
-        <p:txBody>
-          <a:bodyPr/>
-          <a:lstStyle/>
-          <a:p>
-            <a:r>
-              <a:rPr lang="en-US" dirty="0"/>
-              <a:t>Iterator</a:t>
-            </a:r>
-          </a:p>
-        </p:txBody>
-      </p:sp>
-      <p:sp>
-        <p:nvSpPr>
-          <p:cNvPr id="3" name="Content Placeholder 2">
-            <a:extLst>
-              <a:ext uri="{FF2B5EF4-FFF2-40B4-BE49-F238E27FC236}">
-                <a16:creationId xmlns:a16="http://schemas.microsoft.com/office/drawing/2014/main" id="{D4C3EE0B-02D3-C2B7-8664-30A89BAF15FF}"/>
-              </a:ext>
-            </a:extLst>
-          </p:cNvPr>
-          <p:cNvSpPr>
-            <a:spLocks noGrp="1"/>
-          </p:cNvSpPr>
-          <p:nvPr>
-            <p:ph idx="1"/>
-          </p:nvPr>
-        </p:nvSpPr>
-        <p:spPr/>
-        <p:txBody>
-          <a:bodyPr/>
-          <a:lstStyle/>
-          <a:p>
-            <a:r>
-              <a:rPr lang="en-US" dirty="0"/>
-              <a:t>Cons</a:t>
-            </a:r>
-          </a:p>
-          <a:p>
-            <a:pPr lvl="1"/>
-            <a:r>
-              <a:rPr lang="en-US" dirty="0"/>
-              <a:t> Applying the pattern can be an overkill if your app only works with simple collections.</a:t>
-            </a:r>
-          </a:p>
-          <a:p>
-            <a:pPr lvl="1"/>
-            <a:r>
-              <a:rPr lang="en-US" dirty="0"/>
-              <a:t> Using an iterator may be less efficient than going through elements of some specialized collections directly.</a:t>
-            </a:r>
-          </a:p>
-        </p:txBody>
-      </p:sp>
-    </p:spTree>
-    <p:extLst>
-      <p:ext uri="{BB962C8B-B14F-4D97-AF65-F5344CB8AC3E}">
-        <p14:creationId xmlns:p14="http://schemas.microsoft.com/office/powerpoint/2010/main" val="2680173259"/>
-      </p:ext>
-    </p:extLst>
-  </p:cSld>
-  <p:clrMapOvr>
-    <a:masterClrMapping/>
-  </p:clrMapOvr>
-</p:sld>
-</file>
-
-<file path=ppt/slides/slide130.xml><?xml version="1.0" encoding="utf-8"?>
-<p:sld xmlns:a="http://schemas.openxmlformats.org/drawingml/2006/main" xmlns:r="http://schemas.openxmlformats.org/officeDocument/2006/relationships" xmlns:p="http://schemas.openxmlformats.org/presentationml/2006/main">
-  <p:cSld>
-    <p:spTree>
-      <p:nvGrpSpPr>
-        <p:cNvPr id="1" name=""/>
-        <p:cNvGrpSpPr/>
-        <p:nvPr/>
-      </p:nvGrpSpPr>
-      <p:grpSpPr>
-        <a:xfrm>
-          <a:off x="0" y="0"/>
-          <a:ext cx="0" cy="0"/>
-          <a:chOff x="0" y="0"/>
-          <a:chExt cx="0" cy="0"/>
-        </a:xfrm>
-      </p:grpSpPr>
-      <p:sp>
-        <p:nvSpPr>
-          <p:cNvPr id="2" name="Title 1">
-            <a:extLst>
-              <a:ext uri="{FF2B5EF4-FFF2-40B4-BE49-F238E27FC236}">
-                <a16:creationId xmlns:a16="http://schemas.microsoft.com/office/drawing/2014/main" id="{73225148-6841-7236-92CE-9069F7B575AD}"/>
-              </a:ext>
-            </a:extLst>
-          </p:cNvPr>
-          <p:cNvSpPr>
-            <a:spLocks noGrp="1"/>
-          </p:cNvSpPr>
-          <p:nvPr>
-            <p:ph type="title"/>
-          </p:nvPr>
-        </p:nvSpPr>
-        <p:spPr/>
-        <p:txBody>
-          <a:bodyPr/>
-          <a:lstStyle/>
-          <a:p>
-            <a:r>
-              <a:rPr lang="en-US" dirty="0"/>
-              <a:t>Flyweight</a:t>
-            </a:r>
-          </a:p>
-        </p:txBody>
-      </p:sp>
-      <p:pic>
-        <p:nvPicPr>
-          <p:cNvPr id="1026" name="Picture 2">
-            <a:extLst>
-              <a:ext uri="{FF2B5EF4-FFF2-40B4-BE49-F238E27FC236}">
-                <a16:creationId xmlns:a16="http://schemas.microsoft.com/office/drawing/2014/main" id="{9DC212A3-3CE7-3C00-C1FB-B5E97AB70C7D}"/>
-              </a:ext>
-            </a:extLst>
-          </p:cNvPr>
-          <p:cNvPicPr>
-            <a:picLocks noGrp="1" noChangeAspect="1" noChangeArrowheads="1"/>
-          </p:cNvPicPr>
-          <p:nvPr>
-            <p:ph idx="1"/>
-          </p:nvPr>
-        </p:nvPicPr>
-        <p:blipFill>
-          <a:blip r:embed="rId2">
-            <a:extLst>
-              <a:ext uri="{28A0092B-C50C-407E-A947-70E740481C1C}">
-                <a14:useLocalDpi xmlns:a14="http://schemas.microsoft.com/office/drawing/2010/main" val="0"/>
-              </a:ext>
-            </a:extLst>
-          </a:blip>
-          <a:srcRect/>
-          <a:stretch>
-            <a:fillRect/>
-          </a:stretch>
-        </p:blipFill>
-        <p:spPr bwMode="auto">
-          <a:xfrm>
-            <a:off x="991727" y="1690688"/>
-            <a:ext cx="5930159" cy="3669841"/>
-          </a:xfrm>
-          <a:prstGeom prst="rect">
-            <a:avLst/>
-          </a:prstGeom>
-          <a:noFill/>
-          <a:extLst>
-            <a:ext uri="{909E8E84-426E-40DD-AFC4-6F175D3DCCD1}">
-              <a14:hiddenFill xmlns:a14="http://schemas.microsoft.com/office/drawing/2010/main">
-                <a:solidFill>
-                  <a:srgbClr val="FFFFFF"/>
-                </a:solidFill>
-              </a14:hiddenFill>
-            </a:ext>
-          </a:extLst>
-        </p:spPr>
-      </p:pic>
-    </p:spTree>
-    <p:extLst>
-      <p:ext uri="{BB962C8B-B14F-4D97-AF65-F5344CB8AC3E}">
-        <p14:creationId xmlns:p14="http://schemas.microsoft.com/office/powerpoint/2010/main" val="339766099"/>
-      </p:ext>
-    </p:extLst>
-  </p:cSld>
-  <p:clrMapOvr>
-    <a:masterClrMapping/>
-  </p:clrMapOvr>
-</p:sld>
-</file>
-
-<file path=ppt/slides/slide131.xml><?xml version="1.0" encoding="utf-8"?>
-<p:sld xmlns:a="http://schemas.openxmlformats.org/drawingml/2006/main" xmlns:r="http://schemas.openxmlformats.org/officeDocument/2006/relationships" xmlns:p="http://schemas.openxmlformats.org/presentationml/2006/main">
-  <p:cSld>
-    <p:spTree>
-      <p:nvGrpSpPr>
-        <p:cNvPr id="1" name=""/>
-        <p:cNvGrpSpPr/>
-        <p:nvPr/>
-      </p:nvGrpSpPr>
-      <p:grpSpPr>
-        <a:xfrm>
-          <a:off x="0" y="0"/>
-          <a:ext cx="0" cy="0"/>
-          <a:chOff x="0" y="0"/>
-          <a:chExt cx="0" cy="0"/>
-        </a:xfrm>
-      </p:grpSpPr>
-      <p:sp>
-        <p:nvSpPr>
-          <p:cNvPr id="2" name="Title 1">
-            <a:extLst>
-              <a:ext uri="{FF2B5EF4-FFF2-40B4-BE49-F238E27FC236}">
-                <a16:creationId xmlns:a16="http://schemas.microsoft.com/office/drawing/2014/main" id="{C147837D-6FEA-3D16-0844-0FFED7A3BF30}"/>
-              </a:ext>
-            </a:extLst>
-          </p:cNvPr>
-          <p:cNvSpPr>
-            <a:spLocks noGrp="1"/>
-          </p:cNvSpPr>
-          <p:nvPr>
-            <p:ph type="title"/>
-          </p:nvPr>
-        </p:nvSpPr>
-        <p:spPr/>
-        <p:txBody>
-          <a:bodyPr/>
-          <a:lstStyle/>
-          <a:p>
-            <a:r>
-              <a:rPr lang="en-US" dirty="0"/>
-              <a:t>Flyweight</a:t>
-            </a:r>
-          </a:p>
-        </p:txBody>
-      </p:sp>
-      <p:sp>
-        <p:nvSpPr>
-          <p:cNvPr id="3" name="Content Placeholder 2">
-            <a:extLst>
-              <a:ext uri="{FF2B5EF4-FFF2-40B4-BE49-F238E27FC236}">
-                <a16:creationId xmlns:a16="http://schemas.microsoft.com/office/drawing/2014/main" id="{12C0EAD4-BC7E-9ECC-4617-388532691BAE}"/>
-              </a:ext>
-            </a:extLst>
-          </p:cNvPr>
-          <p:cNvSpPr>
-            <a:spLocks noGrp="1"/>
-          </p:cNvSpPr>
-          <p:nvPr>
-            <p:ph idx="1"/>
-          </p:nvPr>
-        </p:nvSpPr>
-        <p:spPr/>
-        <p:txBody>
-          <a:bodyPr/>
-          <a:lstStyle/>
-          <a:p>
-            <a:r>
-              <a:rPr lang="en-US" dirty="0"/>
-              <a:t>Applications</a:t>
-            </a:r>
-          </a:p>
-          <a:p>
-            <a:pPr lvl="1"/>
-            <a:r>
-              <a:rPr lang="en-US" dirty="0"/>
-              <a:t>Use the Flyweight pattern only when your program must support a huge number of objects which barely fit into available RAM.</a:t>
-            </a:r>
-          </a:p>
-          <a:p>
-            <a:pPr lvl="1"/>
-            <a:r>
-              <a:rPr lang="en-US" dirty="0"/>
-              <a:t>Graphical Text Processing (characters)</a:t>
-            </a:r>
-          </a:p>
-          <a:p>
-            <a:pPr lvl="1"/>
-            <a:r>
-              <a:rPr lang="en-US" dirty="0"/>
-              <a:t>Games (surrounding elements)</a:t>
-            </a:r>
-          </a:p>
-          <a:p>
-            <a:pPr lvl="1"/>
-            <a:r>
-              <a:rPr lang="en-US" dirty="0"/>
-              <a:t>Caching</a:t>
-            </a:r>
-          </a:p>
-          <a:p>
-            <a:pPr lvl="1"/>
-            <a:r>
-              <a:rPr lang="en-US" dirty="0"/>
-              <a:t>Any reusing system where references doesn’t matter (atomic object does not change)</a:t>
-            </a:r>
-          </a:p>
-        </p:txBody>
-      </p:sp>
-    </p:spTree>
-    <p:extLst>
-      <p:ext uri="{BB962C8B-B14F-4D97-AF65-F5344CB8AC3E}">
-        <p14:creationId xmlns:p14="http://schemas.microsoft.com/office/powerpoint/2010/main" val="252135381"/>
-      </p:ext>
-    </p:extLst>
-  </p:cSld>
-  <p:clrMapOvr>
-    <a:masterClrMapping/>
-  </p:clrMapOvr>
-</p:sld>
-</file>
-
-<file path=ppt/slides/slide132.xml><?xml version="1.0" encoding="utf-8"?>
-<p:sld xmlns:a="http://schemas.openxmlformats.org/drawingml/2006/main" xmlns:r="http://schemas.openxmlformats.org/officeDocument/2006/relationships" xmlns:p="http://schemas.openxmlformats.org/presentationml/2006/main">
-  <p:cSld>
-    <p:spTree>
-      <p:nvGrpSpPr>
-        <p:cNvPr id="1" name="">
-          <a:extLst>
-            <a:ext uri="{FF2B5EF4-FFF2-40B4-BE49-F238E27FC236}">
-              <a16:creationId xmlns:a16="http://schemas.microsoft.com/office/drawing/2014/main" id="{FA615E37-08DE-3D46-113A-F7F841F7701F}"/>
-            </a:ext>
-          </a:extLst>
-        </p:cNvPr>
-        <p:cNvGrpSpPr/>
-        <p:nvPr/>
-      </p:nvGrpSpPr>
-      <p:grpSpPr>
-        <a:xfrm>
-          <a:off x="0" y="0"/>
-          <a:ext cx="0" cy="0"/>
-          <a:chOff x="0" y="0"/>
-          <a:chExt cx="0" cy="0"/>
-        </a:xfrm>
-      </p:grpSpPr>
-      <p:sp>
-        <p:nvSpPr>
-          <p:cNvPr id="2" name="Title 1">
-            <a:extLst>
-              <a:ext uri="{FF2B5EF4-FFF2-40B4-BE49-F238E27FC236}">
-                <a16:creationId xmlns:a16="http://schemas.microsoft.com/office/drawing/2014/main" id="{B47082E2-F4B5-FECB-5F5F-B653D5CDCD8E}"/>
-              </a:ext>
-            </a:extLst>
-          </p:cNvPr>
-          <p:cNvSpPr>
-            <a:spLocks noGrp="1"/>
-          </p:cNvSpPr>
-          <p:nvPr>
-            <p:ph type="title"/>
-          </p:nvPr>
-        </p:nvSpPr>
-        <p:spPr/>
-        <p:txBody>
-          <a:bodyPr/>
-          <a:lstStyle/>
-          <a:p>
-            <a:r>
-              <a:rPr lang="en-US" dirty="0"/>
-              <a:t>Flyweight</a:t>
-            </a:r>
-          </a:p>
-        </p:txBody>
-      </p:sp>
-      <p:sp>
-        <p:nvSpPr>
-          <p:cNvPr id="3" name="Content Placeholder 2">
-            <a:extLst>
-              <a:ext uri="{FF2B5EF4-FFF2-40B4-BE49-F238E27FC236}">
-                <a16:creationId xmlns:a16="http://schemas.microsoft.com/office/drawing/2014/main" id="{3FE64E23-40F2-62A3-7728-9E0A488D1C28}"/>
-              </a:ext>
-            </a:extLst>
-          </p:cNvPr>
-          <p:cNvSpPr>
-            <a:spLocks noGrp="1"/>
-          </p:cNvSpPr>
-          <p:nvPr>
-            <p:ph idx="1"/>
-          </p:nvPr>
-        </p:nvSpPr>
-        <p:spPr/>
-        <p:txBody>
-          <a:bodyPr/>
-          <a:lstStyle/>
-          <a:p>
-            <a:r>
-              <a:rPr lang="en-US" dirty="0"/>
-              <a:t>Pros</a:t>
-            </a:r>
-          </a:p>
-          <a:p>
-            <a:pPr lvl="1"/>
-            <a:r>
-              <a:rPr lang="en-US" dirty="0"/>
-              <a:t> You can save lots of RAM, assuming your program has tons of similar objects.</a:t>
-            </a:r>
-          </a:p>
-          <a:p>
-            <a:pPr lvl="1"/>
-            <a:endParaRPr lang="en-US" dirty="0"/>
-          </a:p>
-          <a:p>
-            <a:r>
-              <a:rPr lang="en-US" dirty="0"/>
-              <a:t>Cons</a:t>
-            </a:r>
-          </a:p>
-          <a:p>
-            <a:pPr lvl="1"/>
-            <a:r>
-              <a:rPr lang="en-US" dirty="0"/>
-              <a:t>You might be trading RAM over CPU cycles when some of the context data needs to be recalculated each time somebody calls a flyweight method.</a:t>
-            </a:r>
-          </a:p>
-          <a:p>
-            <a:pPr lvl="1"/>
-            <a:r>
-              <a:rPr lang="en-US" dirty="0"/>
-              <a:t>The code becomes much more complicated. New team members will always be wondering why the state of an entity was separated in such a way.</a:t>
-            </a:r>
-          </a:p>
-          <a:p>
-            <a:pPr lvl="1"/>
-            <a:endParaRPr lang="en-US" dirty="0"/>
-          </a:p>
-        </p:txBody>
-      </p:sp>
-    </p:spTree>
-    <p:extLst>
-      <p:ext uri="{BB962C8B-B14F-4D97-AF65-F5344CB8AC3E}">
-        <p14:creationId xmlns:p14="http://schemas.microsoft.com/office/powerpoint/2010/main" val="2340480577"/>
-      </p:ext>
-    </p:extLst>
-  </p:cSld>
-  <p:clrMapOvr>
-    <a:masterClrMapping/>
-  </p:clrMapOvr>
-</p:sld>
-</file>
-
-<file path=ppt/slides/slide133.xml><?xml version="1.0" encoding="utf-8"?>
-<p:sld xmlns:a="http://schemas.openxmlformats.org/drawingml/2006/main" xmlns:r="http://schemas.openxmlformats.org/officeDocument/2006/relationships" xmlns:p="http://schemas.openxmlformats.org/presentationml/2006/main">
-  <p:cSld>
-    <p:spTree>
-      <p:nvGrpSpPr>
-        <p:cNvPr id="1" name=""/>
-        <p:cNvGrpSpPr/>
-        <p:nvPr/>
-      </p:nvGrpSpPr>
-      <p:grpSpPr>
-        <a:xfrm>
-          <a:off x="0" y="0"/>
-          <a:ext cx="0" cy="0"/>
-          <a:chOff x="0" y="0"/>
-          <a:chExt cx="0" cy="0"/>
-        </a:xfrm>
-      </p:grpSpPr>
-      <p:sp>
-        <p:nvSpPr>
-          <p:cNvPr id="2" name="Title 1">
-            <a:extLst>
-              <a:ext uri="{FF2B5EF4-FFF2-40B4-BE49-F238E27FC236}">
-                <a16:creationId xmlns:a16="http://schemas.microsoft.com/office/drawing/2014/main" id="{085D1ED7-4F54-476A-7C33-A449EFB38ADE}"/>
-              </a:ext>
-            </a:extLst>
-          </p:cNvPr>
-          <p:cNvSpPr>
-            <a:spLocks noGrp="1"/>
-          </p:cNvSpPr>
-          <p:nvPr>
-            <p:ph type="title"/>
-          </p:nvPr>
-        </p:nvSpPr>
-        <p:spPr/>
-        <p:txBody>
-          <a:bodyPr/>
-          <a:lstStyle/>
-          <a:p>
-            <a:r>
-              <a:rPr lang="en-US" dirty="0"/>
-              <a:t>Exercise 8</a:t>
-            </a:r>
-          </a:p>
-        </p:txBody>
-      </p:sp>
-      <p:sp>
-        <p:nvSpPr>
-          <p:cNvPr id="3" name="Content Placeholder 2">
-            <a:extLst>
-              <a:ext uri="{FF2B5EF4-FFF2-40B4-BE49-F238E27FC236}">
-                <a16:creationId xmlns:a16="http://schemas.microsoft.com/office/drawing/2014/main" id="{AC32606D-9116-9D8F-7CDB-27DA5943050B}"/>
-              </a:ext>
-            </a:extLst>
-          </p:cNvPr>
-          <p:cNvSpPr>
-            <a:spLocks noGrp="1"/>
-          </p:cNvSpPr>
-          <p:nvPr>
-            <p:ph idx="1"/>
-          </p:nvPr>
-        </p:nvSpPr>
-        <p:spPr/>
-        <p:txBody>
-          <a:bodyPr/>
-          <a:lstStyle/>
-          <a:p>
-            <a:endParaRPr lang="en-US" dirty="0"/>
-          </a:p>
-        </p:txBody>
-      </p:sp>
-    </p:spTree>
-    <p:extLst>
-      <p:ext uri="{BB962C8B-B14F-4D97-AF65-F5344CB8AC3E}">
-        <p14:creationId xmlns:p14="http://schemas.microsoft.com/office/powerpoint/2010/main" val="3755947196"/>
       </p:ext>
     </p:extLst>
   </p:cSld>
@@ -24270,15 +24210,7 @@
             <a:pPr lvl="1"/>
             <a:r>
               <a:rPr lang="en-US" dirty="0"/>
-              <a:t>Derivation and composition to achieve intricate </a:t>
-            </a:r>
-            <a:r>
-              <a:rPr lang="en-US" dirty="0" err="1"/>
-              <a:t>flor</a:t>
-            </a:r>
-            <a:r>
-              <a:rPr lang="en-US" dirty="0"/>
-              <a:t> of control or task handling</a:t>
+              <a:t>Derivation and composition to achieve intricate flow of control or task handling</a:t>
             </a:r>
           </a:p>
         </p:txBody>
@@ -30073,6 +30005,12 @@
             <a:r>
               <a:rPr lang="en-US" dirty="0"/>
               <a:t>Template Method</a:t>
+            </a:r>
+          </a:p>
+          <a:p>
+            <a:r>
+              <a:rPr lang="en-US" dirty="0"/>
+              <a:t>Flyweight</a:t>
             </a:r>
           </a:p>
           <a:p>
